--- a/resources/production_grade_software.pptx
+++ b/resources/production_grade_software.pptx
@@ -16,7 +16,7 @@
     <p:sldId id="263" r:id="rId11"/>
   </p:sldIdLst>
   <p:sldSz cx="12192000" cy="6858000"/>
-  <p:notesSz cx="7559675" cy="10691812"/>
+  <p:notesSz cx="7772400" cy="10058400"/>
 </p:presentation>
 </file>
 
@@ -80,11 +80,11 @@
         </p:spPr>
         <p:txBody>
           <a:bodyPr lIns="0" rIns="0" tIns="0" bIns="0" anchor="ctr">
-            <a:spAutoFit/>
+            <a:noAutofit/>
           </a:bodyPr>
           <a:p>
             <a:pPr algn="ctr"/>
-            <a:endParaRPr b="0" lang="en-US" sz="4400" spc="-1" strike="noStrike">
+            <a:endParaRPr b="0" lang="en" sz="4400" spc="-1" strike="noStrike">
               <a:latin typeface="Arial"/>
             </a:endParaRPr>
           </a:p>
@@ -114,7 +114,7 @@
             <a:normAutofit/>
           </a:bodyPr>
           <a:p>
-            <a:endParaRPr b="0" lang="en-US" sz="3200" spc="-1" strike="noStrike">
+            <a:endParaRPr b="0" lang="en" sz="3200" spc="-1" strike="noStrike">
               <a:latin typeface="Arial"/>
             </a:endParaRPr>
           </a:p>
@@ -144,7 +144,7 @@
             <a:normAutofit/>
           </a:bodyPr>
           <a:p>
-            <a:endParaRPr b="0" lang="en-US" sz="3200" spc="-1" strike="noStrike">
+            <a:endParaRPr b="0" lang="en" sz="3200" spc="-1" strike="noStrike">
               <a:latin typeface="Arial"/>
             </a:endParaRPr>
           </a:p>
@@ -193,11 +193,11 @@
         </p:spPr>
         <p:txBody>
           <a:bodyPr lIns="0" rIns="0" tIns="0" bIns="0" anchor="ctr">
-            <a:spAutoFit/>
+            <a:noAutofit/>
           </a:bodyPr>
           <a:p>
             <a:pPr algn="ctr"/>
-            <a:endParaRPr b="0" lang="en-US" sz="4400" spc="-1" strike="noStrike">
+            <a:endParaRPr b="0" lang="en" sz="4400" spc="-1" strike="noStrike">
               <a:latin typeface="Arial"/>
             </a:endParaRPr>
           </a:p>
@@ -227,7 +227,7 @@
             <a:normAutofit/>
           </a:bodyPr>
           <a:p>
-            <a:endParaRPr b="0" lang="en-US" sz="3200" spc="-1" strike="noStrike">
+            <a:endParaRPr b="0" lang="en" sz="3200" spc="-1" strike="noStrike">
               <a:latin typeface="Arial"/>
             </a:endParaRPr>
           </a:p>
@@ -257,7 +257,7 @@
             <a:normAutofit/>
           </a:bodyPr>
           <a:p>
-            <a:endParaRPr b="0" lang="en-US" sz="3200" spc="-1" strike="noStrike">
+            <a:endParaRPr b="0" lang="en" sz="3200" spc="-1" strike="noStrike">
               <a:latin typeface="Arial"/>
             </a:endParaRPr>
           </a:p>
@@ -287,7 +287,7 @@
             <a:normAutofit/>
           </a:bodyPr>
           <a:p>
-            <a:endParaRPr b="0" lang="en-US" sz="3200" spc="-1" strike="noStrike">
+            <a:endParaRPr b="0" lang="en" sz="3200" spc="-1" strike="noStrike">
               <a:latin typeface="Arial"/>
             </a:endParaRPr>
           </a:p>
@@ -317,7 +317,7 @@
             <a:normAutofit/>
           </a:bodyPr>
           <a:p>
-            <a:endParaRPr b="0" lang="en-US" sz="3200" spc="-1" strike="noStrike">
+            <a:endParaRPr b="0" lang="en" sz="3200" spc="-1" strike="noStrike">
               <a:latin typeface="Arial"/>
             </a:endParaRPr>
           </a:p>
@@ -366,11 +366,11 @@
         </p:spPr>
         <p:txBody>
           <a:bodyPr lIns="0" rIns="0" tIns="0" bIns="0" anchor="ctr">
-            <a:spAutoFit/>
+            <a:noAutofit/>
           </a:bodyPr>
           <a:p>
             <a:pPr algn="ctr"/>
-            <a:endParaRPr b="0" lang="en-US" sz="4400" spc="-1" strike="noStrike">
+            <a:endParaRPr b="0" lang="en" sz="4400" spc="-1" strike="noStrike">
               <a:latin typeface="Arial"/>
             </a:endParaRPr>
           </a:p>
@@ -400,7 +400,7 @@
             <a:normAutofit/>
           </a:bodyPr>
           <a:p>
-            <a:endParaRPr b="0" lang="en-US" sz="3200" spc="-1" strike="noStrike">
+            <a:endParaRPr b="0" lang="en" sz="3200" spc="-1" strike="noStrike">
               <a:latin typeface="Arial"/>
             </a:endParaRPr>
           </a:p>
@@ -430,7 +430,7 @@
             <a:normAutofit/>
           </a:bodyPr>
           <a:p>
-            <a:endParaRPr b="0" lang="en-US" sz="3200" spc="-1" strike="noStrike">
+            <a:endParaRPr b="0" lang="en" sz="3200" spc="-1" strike="noStrike">
               <a:latin typeface="Arial"/>
             </a:endParaRPr>
           </a:p>
@@ -460,7 +460,7 @@
             <a:normAutofit/>
           </a:bodyPr>
           <a:p>
-            <a:endParaRPr b="0" lang="en-US" sz="3200" spc="-1" strike="noStrike">
+            <a:endParaRPr b="0" lang="en" sz="3200" spc="-1" strike="noStrike">
               <a:latin typeface="Arial"/>
             </a:endParaRPr>
           </a:p>
@@ -490,7 +490,7 @@
             <a:normAutofit/>
           </a:bodyPr>
           <a:p>
-            <a:endParaRPr b="0" lang="en-US" sz="3200" spc="-1" strike="noStrike">
+            <a:endParaRPr b="0" lang="en" sz="3200" spc="-1" strike="noStrike">
               <a:latin typeface="Arial"/>
             </a:endParaRPr>
           </a:p>
@@ -520,7 +520,7 @@
             <a:normAutofit/>
           </a:bodyPr>
           <a:p>
-            <a:endParaRPr b="0" lang="en-US" sz="3200" spc="-1" strike="noStrike">
+            <a:endParaRPr b="0" lang="en" sz="3200" spc="-1" strike="noStrike">
               <a:latin typeface="Arial"/>
             </a:endParaRPr>
           </a:p>
@@ -550,7 +550,7 @@
             <a:normAutofit/>
           </a:bodyPr>
           <a:p>
-            <a:endParaRPr b="0" lang="en-US" sz="3200" spc="-1" strike="noStrike">
+            <a:endParaRPr b="0" lang="en" sz="3200" spc="-1" strike="noStrike">
               <a:latin typeface="Arial"/>
             </a:endParaRPr>
           </a:p>
@@ -621,11 +621,11 @@
         </p:spPr>
         <p:txBody>
           <a:bodyPr lIns="0" rIns="0" tIns="0" bIns="0" anchor="ctr">
-            <a:spAutoFit/>
+            <a:noAutofit/>
           </a:bodyPr>
           <a:p>
             <a:pPr algn="ctr"/>
-            <a:endParaRPr b="0" lang="en-US" sz="4400" spc="-1" strike="noStrike">
+            <a:endParaRPr b="0" lang="en" sz="4400" spc="-1" strike="noStrike">
               <a:latin typeface="Arial"/>
             </a:endParaRPr>
           </a:p>
@@ -652,11 +652,11 @@
         </p:spPr>
         <p:txBody>
           <a:bodyPr lIns="0" rIns="0" tIns="0" bIns="0" anchor="ctr">
-            <a:spAutoFit/>
+            <a:noAutofit/>
           </a:bodyPr>
           <a:p>
             <a:pPr algn="ctr"/>
-            <a:endParaRPr b="0" lang="en-US" sz="3200" spc="-1" strike="noStrike">
+            <a:endParaRPr b="0" lang="en" sz="3200" spc="-1" strike="noStrike">
               <a:latin typeface="Arial"/>
             </a:endParaRPr>
           </a:p>
@@ -705,11 +705,11 @@
         </p:spPr>
         <p:txBody>
           <a:bodyPr lIns="0" rIns="0" tIns="0" bIns="0" anchor="ctr">
-            <a:spAutoFit/>
+            <a:noAutofit/>
           </a:bodyPr>
           <a:p>
             <a:pPr algn="ctr"/>
-            <a:endParaRPr b="0" lang="en-US" sz="4400" spc="-1" strike="noStrike">
+            <a:endParaRPr b="0" lang="en" sz="4400" spc="-1" strike="noStrike">
               <a:latin typeface="Arial"/>
             </a:endParaRPr>
           </a:p>
@@ -739,7 +739,7 @@
             <a:normAutofit/>
           </a:bodyPr>
           <a:p>
-            <a:endParaRPr b="0" lang="en-US" sz="3200" spc="-1" strike="noStrike">
+            <a:endParaRPr b="0" lang="en" sz="3200" spc="-1" strike="noStrike">
               <a:latin typeface="Arial"/>
             </a:endParaRPr>
           </a:p>
@@ -788,11 +788,11 @@
         </p:spPr>
         <p:txBody>
           <a:bodyPr lIns="0" rIns="0" tIns="0" bIns="0" anchor="ctr">
-            <a:spAutoFit/>
+            <a:noAutofit/>
           </a:bodyPr>
           <a:p>
             <a:pPr algn="ctr"/>
-            <a:endParaRPr b="0" lang="en-US" sz="4400" spc="-1" strike="noStrike">
+            <a:endParaRPr b="0" lang="en" sz="4400" spc="-1" strike="noStrike">
               <a:latin typeface="Arial"/>
             </a:endParaRPr>
           </a:p>
@@ -822,7 +822,7 @@
             <a:normAutofit/>
           </a:bodyPr>
           <a:p>
-            <a:endParaRPr b="0" lang="en-US" sz="3200" spc="-1" strike="noStrike">
+            <a:endParaRPr b="0" lang="en" sz="3200" spc="-1" strike="noStrike">
               <a:latin typeface="Arial"/>
             </a:endParaRPr>
           </a:p>
@@ -852,7 +852,7 @@
             <a:normAutofit/>
           </a:bodyPr>
           <a:p>
-            <a:endParaRPr b="0" lang="en-US" sz="3200" spc="-1" strike="noStrike">
+            <a:endParaRPr b="0" lang="en" sz="3200" spc="-1" strike="noStrike">
               <a:latin typeface="Arial"/>
             </a:endParaRPr>
           </a:p>
@@ -901,11 +901,11 @@
         </p:spPr>
         <p:txBody>
           <a:bodyPr lIns="0" rIns="0" tIns="0" bIns="0" anchor="ctr">
-            <a:spAutoFit/>
+            <a:noAutofit/>
           </a:bodyPr>
           <a:p>
             <a:pPr algn="ctr"/>
-            <a:endParaRPr b="0" lang="en-US" sz="4400" spc="-1" strike="noStrike">
+            <a:endParaRPr b="0" lang="en" sz="4400" spc="-1" strike="noStrike">
               <a:latin typeface="Arial"/>
             </a:endParaRPr>
           </a:p>
@@ -954,11 +954,11 @@
         </p:spPr>
         <p:txBody>
           <a:bodyPr lIns="0" rIns="0" tIns="0" bIns="0" anchor="ctr">
-            <a:spAutoFit/>
+            <a:noAutofit/>
           </a:bodyPr>
           <a:p>
             <a:pPr algn="ctr"/>
-            <a:endParaRPr b="0" lang="en-US" sz="3200" spc="-1" strike="noStrike">
+            <a:endParaRPr b="0" lang="en" sz="3200" spc="-1" strike="noStrike">
               <a:latin typeface="Arial"/>
             </a:endParaRPr>
           </a:p>
@@ -1007,11 +1007,11 @@
         </p:spPr>
         <p:txBody>
           <a:bodyPr lIns="0" rIns="0" tIns="0" bIns="0" anchor="ctr">
-            <a:spAutoFit/>
+            <a:noAutofit/>
           </a:bodyPr>
           <a:p>
             <a:pPr algn="ctr"/>
-            <a:endParaRPr b="0" lang="en-US" sz="4400" spc="-1" strike="noStrike">
+            <a:endParaRPr b="0" lang="en" sz="4400" spc="-1" strike="noStrike">
               <a:latin typeface="Arial"/>
             </a:endParaRPr>
           </a:p>
@@ -1041,7 +1041,7 @@
             <a:normAutofit/>
           </a:bodyPr>
           <a:p>
-            <a:endParaRPr b="0" lang="en-US" sz="3200" spc="-1" strike="noStrike">
+            <a:endParaRPr b="0" lang="en" sz="3200" spc="-1" strike="noStrike">
               <a:latin typeface="Arial"/>
             </a:endParaRPr>
           </a:p>
@@ -1071,7 +1071,7 @@
             <a:normAutofit/>
           </a:bodyPr>
           <a:p>
-            <a:endParaRPr b="0" lang="en-US" sz="3200" spc="-1" strike="noStrike">
+            <a:endParaRPr b="0" lang="en" sz="3200" spc="-1" strike="noStrike">
               <a:latin typeface="Arial"/>
             </a:endParaRPr>
           </a:p>
@@ -1101,7 +1101,7 @@
             <a:normAutofit/>
           </a:bodyPr>
           <a:p>
-            <a:endParaRPr b="0" lang="en-US" sz="3200" spc="-1" strike="noStrike">
+            <a:endParaRPr b="0" lang="en" sz="3200" spc="-1" strike="noStrike">
               <a:latin typeface="Arial"/>
             </a:endParaRPr>
           </a:p>
@@ -1150,11 +1150,11 @@
         </p:spPr>
         <p:txBody>
           <a:bodyPr lIns="0" rIns="0" tIns="0" bIns="0" anchor="ctr">
-            <a:spAutoFit/>
+            <a:noAutofit/>
           </a:bodyPr>
           <a:p>
             <a:pPr algn="ctr"/>
-            <a:endParaRPr b="0" lang="en-US" sz="4400" spc="-1" strike="noStrike">
+            <a:endParaRPr b="0" lang="en" sz="4400" spc="-1" strike="noStrike">
               <a:latin typeface="Arial"/>
             </a:endParaRPr>
           </a:p>
@@ -1181,11 +1181,11 @@
         </p:spPr>
         <p:txBody>
           <a:bodyPr lIns="0" rIns="0" tIns="0" bIns="0" anchor="ctr">
-            <a:spAutoFit/>
+            <a:noAutofit/>
           </a:bodyPr>
           <a:p>
             <a:pPr algn="ctr"/>
-            <a:endParaRPr b="0" lang="en-US" sz="3200" spc="-1" strike="noStrike">
+            <a:endParaRPr b="0" lang="en" sz="3200" spc="-1" strike="noStrike">
               <a:latin typeface="Arial"/>
             </a:endParaRPr>
           </a:p>
@@ -1234,11 +1234,11 @@
         </p:spPr>
         <p:txBody>
           <a:bodyPr lIns="0" rIns="0" tIns="0" bIns="0" anchor="ctr">
-            <a:spAutoFit/>
+            <a:noAutofit/>
           </a:bodyPr>
           <a:p>
             <a:pPr algn="ctr"/>
-            <a:endParaRPr b="0" lang="en-US" sz="4400" spc="-1" strike="noStrike">
+            <a:endParaRPr b="0" lang="en" sz="4400" spc="-1" strike="noStrike">
               <a:latin typeface="Arial"/>
             </a:endParaRPr>
           </a:p>
@@ -1268,7 +1268,7 @@
             <a:normAutofit/>
           </a:bodyPr>
           <a:p>
-            <a:endParaRPr b="0" lang="en-US" sz="3200" spc="-1" strike="noStrike">
+            <a:endParaRPr b="0" lang="en" sz="3200" spc="-1" strike="noStrike">
               <a:latin typeface="Arial"/>
             </a:endParaRPr>
           </a:p>
@@ -1298,7 +1298,7 @@
             <a:normAutofit/>
           </a:bodyPr>
           <a:p>
-            <a:endParaRPr b="0" lang="en-US" sz="3200" spc="-1" strike="noStrike">
+            <a:endParaRPr b="0" lang="en" sz="3200" spc="-1" strike="noStrike">
               <a:latin typeface="Arial"/>
             </a:endParaRPr>
           </a:p>
@@ -1328,7 +1328,7 @@
             <a:normAutofit/>
           </a:bodyPr>
           <a:p>
-            <a:endParaRPr b="0" lang="en-US" sz="3200" spc="-1" strike="noStrike">
+            <a:endParaRPr b="0" lang="en" sz="3200" spc="-1" strike="noStrike">
               <a:latin typeface="Arial"/>
             </a:endParaRPr>
           </a:p>
@@ -1377,11 +1377,11 @@
         </p:spPr>
         <p:txBody>
           <a:bodyPr lIns="0" rIns="0" tIns="0" bIns="0" anchor="ctr">
-            <a:spAutoFit/>
+            <a:noAutofit/>
           </a:bodyPr>
           <a:p>
             <a:pPr algn="ctr"/>
-            <a:endParaRPr b="0" lang="en-US" sz="4400" spc="-1" strike="noStrike">
+            <a:endParaRPr b="0" lang="en" sz="4400" spc="-1" strike="noStrike">
               <a:latin typeface="Arial"/>
             </a:endParaRPr>
           </a:p>
@@ -1411,7 +1411,7 @@
             <a:normAutofit/>
           </a:bodyPr>
           <a:p>
-            <a:endParaRPr b="0" lang="en-US" sz="3200" spc="-1" strike="noStrike">
+            <a:endParaRPr b="0" lang="en" sz="3200" spc="-1" strike="noStrike">
               <a:latin typeface="Arial"/>
             </a:endParaRPr>
           </a:p>
@@ -1441,7 +1441,7 @@
             <a:normAutofit/>
           </a:bodyPr>
           <a:p>
-            <a:endParaRPr b="0" lang="en-US" sz="3200" spc="-1" strike="noStrike">
+            <a:endParaRPr b="0" lang="en" sz="3200" spc="-1" strike="noStrike">
               <a:latin typeface="Arial"/>
             </a:endParaRPr>
           </a:p>
@@ -1471,7 +1471,7 @@
             <a:normAutofit/>
           </a:bodyPr>
           <a:p>
-            <a:endParaRPr b="0" lang="en-US" sz="3200" spc="-1" strike="noStrike">
+            <a:endParaRPr b="0" lang="en" sz="3200" spc="-1" strike="noStrike">
               <a:latin typeface="Arial"/>
             </a:endParaRPr>
           </a:p>
@@ -1520,11 +1520,11 @@
         </p:spPr>
         <p:txBody>
           <a:bodyPr lIns="0" rIns="0" tIns="0" bIns="0" anchor="ctr">
-            <a:spAutoFit/>
+            <a:noAutofit/>
           </a:bodyPr>
           <a:p>
             <a:pPr algn="ctr"/>
-            <a:endParaRPr b="0" lang="en-US" sz="4400" spc="-1" strike="noStrike">
+            <a:endParaRPr b="0" lang="en" sz="4400" spc="-1" strike="noStrike">
               <a:latin typeface="Arial"/>
             </a:endParaRPr>
           </a:p>
@@ -1554,7 +1554,7 @@
             <a:normAutofit/>
           </a:bodyPr>
           <a:p>
-            <a:endParaRPr b="0" lang="en-US" sz="3200" spc="-1" strike="noStrike">
+            <a:endParaRPr b="0" lang="en" sz="3200" spc="-1" strike="noStrike">
               <a:latin typeface="Arial"/>
             </a:endParaRPr>
           </a:p>
@@ -1584,7 +1584,7 @@
             <a:normAutofit/>
           </a:bodyPr>
           <a:p>
-            <a:endParaRPr b="0" lang="en-US" sz="3200" spc="-1" strike="noStrike">
+            <a:endParaRPr b="0" lang="en" sz="3200" spc="-1" strike="noStrike">
               <a:latin typeface="Arial"/>
             </a:endParaRPr>
           </a:p>
@@ -1633,11 +1633,11 @@
         </p:spPr>
         <p:txBody>
           <a:bodyPr lIns="0" rIns="0" tIns="0" bIns="0" anchor="ctr">
-            <a:spAutoFit/>
+            <a:noAutofit/>
           </a:bodyPr>
           <a:p>
             <a:pPr algn="ctr"/>
-            <a:endParaRPr b="0" lang="en-US" sz="4400" spc="-1" strike="noStrike">
+            <a:endParaRPr b="0" lang="en" sz="4400" spc="-1" strike="noStrike">
               <a:latin typeface="Arial"/>
             </a:endParaRPr>
           </a:p>
@@ -1667,7 +1667,7 @@
             <a:normAutofit/>
           </a:bodyPr>
           <a:p>
-            <a:endParaRPr b="0" lang="en-US" sz="3200" spc="-1" strike="noStrike">
+            <a:endParaRPr b="0" lang="en" sz="3200" spc="-1" strike="noStrike">
               <a:latin typeface="Arial"/>
             </a:endParaRPr>
           </a:p>
@@ -1697,7 +1697,7 @@
             <a:normAutofit/>
           </a:bodyPr>
           <a:p>
-            <a:endParaRPr b="0" lang="en-US" sz="3200" spc="-1" strike="noStrike">
+            <a:endParaRPr b="0" lang="en" sz="3200" spc="-1" strike="noStrike">
               <a:latin typeface="Arial"/>
             </a:endParaRPr>
           </a:p>
@@ -1727,7 +1727,7 @@
             <a:normAutofit/>
           </a:bodyPr>
           <a:p>
-            <a:endParaRPr b="0" lang="en-US" sz="3200" spc="-1" strike="noStrike">
+            <a:endParaRPr b="0" lang="en" sz="3200" spc="-1" strike="noStrike">
               <a:latin typeface="Arial"/>
             </a:endParaRPr>
           </a:p>
@@ -1757,7 +1757,7 @@
             <a:normAutofit/>
           </a:bodyPr>
           <a:p>
-            <a:endParaRPr b="0" lang="en-US" sz="3200" spc="-1" strike="noStrike">
+            <a:endParaRPr b="0" lang="en" sz="3200" spc="-1" strike="noStrike">
               <a:latin typeface="Arial"/>
             </a:endParaRPr>
           </a:p>
@@ -1806,11 +1806,11 @@
         </p:spPr>
         <p:txBody>
           <a:bodyPr lIns="0" rIns="0" tIns="0" bIns="0" anchor="ctr">
-            <a:spAutoFit/>
+            <a:noAutofit/>
           </a:bodyPr>
           <a:p>
             <a:pPr algn="ctr"/>
-            <a:endParaRPr b="0" lang="en-US" sz="4400" spc="-1" strike="noStrike">
+            <a:endParaRPr b="0" lang="en" sz="4400" spc="-1" strike="noStrike">
               <a:latin typeface="Arial"/>
             </a:endParaRPr>
           </a:p>
@@ -1840,7 +1840,7 @@
             <a:normAutofit/>
           </a:bodyPr>
           <a:p>
-            <a:endParaRPr b="0" lang="en-US" sz="3200" spc="-1" strike="noStrike">
+            <a:endParaRPr b="0" lang="en" sz="3200" spc="-1" strike="noStrike">
               <a:latin typeface="Arial"/>
             </a:endParaRPr>
           </a:p>
@@ -1870,7 +1870,7 @@
             <a:normAutofit/>
           </a:bodyPr>
           <a:p>
-            <a:endParaRPr b="0" lang="en-US" sz="3200" spc="-1" strike="noStrike">
+            <a:endParaRPr b="0" lang="en" sz="3200" spc="-1" strike="noStrike">
               <a:latin typeface="Arial"/>
             </a:endParaRPr>
           </a:p>
@@ -1900,7 +1900,7 @@
             <a:normAutofit/>
           </a:bodyPr>
           <a:p>
-            <a:endParaRPr b="0" lang="en-US" sz="3200" spc="-1" strike="noStrike">
+            <a:endParaRPr b="0" lang="en" sz="3200" spc="-1" strike="noStrike">
               <a:latin typeface="Arial"/>
             </a:endParaRPr>
           </a:p>
@@ -1930,7 +1930,7 @@
             <a:normAutofit/>
           </a:bodyPr>
           <a:p>
-            <a:endParaRPr b="0" lang="en-US" sz="3200" spc="-1" strike="noStrike">
+            <a:endParaRPr b="0" lang="en" sz="3200" spc="-1" strike="noStrike">
               <a:latin typeface="Arial"/>
             </a:endParaRPr>
           </a:p>
@@ -1960,7 +1960,7 @@
             <a:normAutofit/>
           </a:bodyPr>
           <a:p>
-            <a:endParaRPr b="0" lang="en-US" sz="3200" spc="-1" strike="noStrike">
+            <a:endParaRPr b="0" lang="en" sz="3200" spc="-1" strike="noStrike">
               <a:latin typeface="Arial"/>
             </a:endParaRPr>
           </a:p>
@@ -1990,7 +1990,7 @@
             <a:normAutofit/>
           </a:bodyPr>
           <a:p>
-            <a:endParaRPr b="0" lang="en-US" sz="3200" spc="-1" strike="noStrike">
+            <a:endParaRPr b="0" lang="en" sz="3200" spc="-1" strike="noStrike">
               <a:latin typeface="Arial"/>
             </a:endParaRPr>
           </a:p>
@@ -2039,11 +2039,11 @@
         </p:spPr>
         <p:txBody>
           <a:bodyPr lIns="0" rIns="0" tIns="0" bIns="0" anchor="ctr">
-            <a:spAutoFit/>
+            <a:noAutofit/>
           </a:bodyPr>
           <a:p>
             <a:pPr algn="ctr"/>
-            <a:endParaRPr b="0" lang="en-US" sz="4400" spc="-1" strike="noStrike">
+            <a:endParaRPr b="0" lang="en" sz="4400" spc="-1" strike="noStrike">
               <a:latin typeface="Arial"/>
             </a:endParaRPr>
           </a:p>
@@ -2073,7 +2073,7 @@
             <a:normAutofit/>
           </a:bodyPr>
           <a:p>
-            <a:endParaRPr b="0" lang="en-US" sz="3200" spc="-1" strike="noStrike">
+            <a:endParaRPr b="0" lang="en" sz="3200" spc="-1" strike="noStrike">
               <a:latin typeface="Arial"/>
             </a:endParaRPr>
           </a:p>
@@ -2122,11 +2122,11 @@
         </p:spPr>
         <p:txBody>
           <a:bodyPr lIns="0" rIns="0" tIns="0" bIns="0" anchor="ctr">
-            <a:spAutoFit/>
+            <a:noAutofit/>
           </a:bodyPr>
           <a:p>
             <a:pPr algn="ctr"/>
-            <a:endParaRPr b="0" lang="en-US" sz="4400" spc="-1" strike="noStrike">
+            <a:endParaRPr b="0" lang="en" sz="4400" spc="-1" strike="noStrike">
               <a:latin typeface="Arial"/>
             </a:endParaRPr>
           </a:p>
@@ -2156,7 +2156,7 @@
             <a:normAutofit/>
           </a:bodyPr>
           <a:p>
-            <a:endParaRPr b="0" lang="en-US" sz="3200" spc="-1" strike="noStrike">
+            <a:endParaRPr b="0" lang="en" sz="3200" spc="-1" strike="noStrike">
               <a:latin typeface="Arial"/>
             </a:endParaRPr>
           </a:p>
@@ -2186,7 +2186,7 @@
             <a:normAutofit/>
           </a:bodyPr>
           <a:p>
-            <a:endParaRPr b="0" lang="en-US" sz="3200" spc="-1" strike="noStrike">
+            <a:endParaRPr b="0" lang="en" sz="3200" spc="-1" strike="noStrike">
               <a:latin typeface="Arial"/>
             </a:endParaRPr>
           </a:p>
@@ -2235,11 +2235,11 @@
         </p:spPr>
         <p:txBody>
           <a:bodyPr lIns="0" rIns="0" tIns="0" bIns="0" anchor="ctr">
-            <a:spAutoFit/>
+            <a:noAutofit/>
           </a:bodyPr>
           <a:p>
             <a:pPr algn="ctr"/>
-            <a:endParaRPr b="0" lang="en-US" sz="4400" spc="-1" strike="noStrike">
+            <a:endParaRPr b="0" lang="en" sz="4400" spc="-1" strike="noStrike">
               <a:latin typeface="Arial"/>
             </a:endParaRPr>
           </a:p>
@@ -2288,11 +2288,11 @@
         </p:spPr>
         <p:txBody>
           <a:bodyPr lIns="0" rIns="0" tIns="0" bIns="0" anchor="ctr">
-            <a:spAutoFit/>
+            <a:noAutofit/>
           </a:bodyPr>
           <a:p>
             <a:pPr algn="ctr"/>
-            <a:endParaRPr b="0" lang="en-US" sz="3200" spc="-1" strike="noStrike">
+            <a:endParaRPr b="0" lang="en" sz="3200" spc="-1" strike="noStrike">
               <a:latin typeface="Arial"/>
             </a:endParaRPr>
           </a:p>
@@ -2341,11 +2341,11 @@
         </p:spPr>
         <p:txBody>
           <a:bodyPr lIns="0" rIns="0" tIns="0" bIns="0" anchor="ctr">
-            <a:spAutoFit/>
+            <a:noAutofit/>
           </a:bodyPr>
           <a:p>
             <a:pPr algn="ctr"/>
-            <a:endParaRPr b="0" lang="en-US" sz="4400" spc="-1" strike="noStrike">
+            <a:endParaRPr b="0" lang="en" sz="4400" spc="-1" strike="noStrike">
               <a:latin typeface="Arial"/>
             </a:endParaRPr>
           </a:p>
@@ -2375,7 +2375,7 @@
             <a:normAutofit/>
           </a:bodyPr>
           <a:p>
-            <a:endParaRPr b="0" lang="en-US" sz="3200" spc="-1" strike="noStrike">
+            <a:endParaRPr b="0" lang="en" sz="3200" spc="-1" strike="noStrike">
               <a:latin typeface="Arial"/>
             </a:endParaRPr>
           </a:p>
@@ -2405,7 +2405,7 @@
             <a:normAutofit/>
           </a:bodyPr>
           <a:p>
-            <a:endParaRPr b="0" lang="en-US" sz="3200" spc="-1" strike="noStrike">
+            <a:endParaRPr b="0" lang="en" sz="3200" spc="-1" strike="noStrike">
               <a:latin typeface="Arial"/>
             </a:endParaRPr>
           </a:p>
@@ -2435,7 +2435,7 @@
             <a:normAutofit/>
           </a:bodyPr>
           <a:p>
-            <a:endParaRPr b="0" lang="en-US" sz="3200" spc="-1" strike="noStrike">
+            <a:endParaRPr b="0" lang="en" sz="3200" spc="-1" strike="noStrike">
               <a:latin typeface="Arial"/>
             </a:endParaRPr>
           </a:p>
@@ -2484,11 +2484,11 @@
         </p:spPr>
         <p:txBody>
           <a:bodyPr lIns="0" rIns="0" tIns="0" bIns="0" anchor="ctr">
-            <a:spAutoFit/>
+            <a:noAutofit/>
           </a:bodyPr>
           <a:p>
             <a:pPr algn="ctr"/>
-            <a:endParaRPr b="0" lang="en-US" sz="4400" spc="-1" strike="noStrike">
+            <a:endParaRPr b="0" lang="en" sz="4400" spc="-1" strike="noStrike">
               <a:latin typeface="Arial"/>
             </a:endParaRPr>
           </a:p>
@@ -2518,7 +2518,7 @@
             <a:normAutofit/>
           </a:bodyPr>
           <a:p>
-            <a:endParaRPr b="0" lang="en-US" sz="3200" spc="-1" strike="noStrike">
+            <a:endParaRPr b="0" lang="en" sz="3200" spc="-1" strike="noStrike">
               <a:latin typeface="Arial"/>
             </a:endParaRPr>
           </a:p>
@@ -2548,7 +2548,7 @@
             <a:normAutofit/>
           </a:bodyPr>
           <a:p>
-            <a:endParaRPr b="0" lang="en-US" sz="3200" spc="-1" strike="noStrike">
+            <a:endParaRPr b="0" lang="en" sz="3200" spc="-1" strike="noStrike">
               <a:latin typeface="Arial"/>
             </a:endParaRPr>
           </a:p>
@@ -2578,7 +2578,7 @@
             <a:normAutofit/>
           </a:bodyPr>
           <a:p>
-            <a:endParaRPr b="0" lang="en-US" sz="3200" spc="-1" strike="noStrike">
+            <a:endParaRPr b="0" lang="en" sz="3200" spc="-1" strike="noStrike">
               <a:latin typeface="Arial"/>
             </a:endParaRPr>
           </a:p>
@@ -2627,11 +2627,11 @@
         </p:spPr>
         <p:txBody>
           <a:bodyPr lIns="0" rIns="0" tIns="0" bIns="0" anchor="ctr">
-            <a:spAutoFit/>
+            <a:noAutofit/>
           </a:bodyPr>
           <a:p>
             <a:pPr algn="ctr"/>
-            <a:endParaRPr b="0" lang="en-US" sz="4400" spc="-1" strike="noStrike">
+            <a:endParaRPr b="0" lang="en" sz="4400" spc="-1" strike="noStrike">
               <a:latin typeface="Arial"/>
             </a:endParaRPr>
           </a:p>
@@ -2661,7 +2661,7 @@
             <a:normAutofit/>
           </a:bodyPr>
           <a:p>
-            <a:endParaRPr b="0" lang="en-US" sz="3200" spc="-1" strike="noStrike">
+            <a:endParaRPr b="0" lang="en" sz="3200" spc="-1" strike="noStrike">
               <a:latin typeface="Arial"/>
             </a:endParaRPr>
           </a:p>
@@ -2691,7 +2691,7 @@
             <a:normAutofit/>
           </a:bodyPr>
           <a:p>
-            <a:endParaRPr b="0" lang="en-US" sz="3200" spc="-1" strike="noStrike">
+            <a:endParaRPr b="0" lang="en" sz="3200" spc="-1" strike="noStrike">
               <a:latin typeface="Arial"/>
             </a:endParaRPr>
           </a:p>
@@ -2721,7 +2721,7 @@
             <a:normAutofit/>
           </a:bodyPr>
           <a:p>
-            <a:endParaRPr b="0" lang="en-US" sz="3200" spc="-1" strike="noStrike">
+            <a:endParaRPr b="0" lang="en" sz="3200" spc="-1" strike="noStrike">
               <a:latin typeface="Arial"/>
             </a:endParaRPr>
           </a:p>
@@ -2768,8 +2768,8 @@
         </p:nvSpPr>
         <p:spPr>
           <a:xfrm>
-            <a:off x="838080" y="454680"/>
-            <a:ext cx="10514880" cy="1145160"/>
+            <a:off x="609480" y="273240"/>
+            <a:ext cx="10972080" cy="1145160"/>
           </a:xfrm>
           <a:prstGeom prst="rect">
             <a:avLst/>
@@ -2777,16 +2777,17 @@
         </p:spPr>
         <p:txBody>
           <a:bodyPr lIns="0" rIns="0" tIns="0" bIns="0" anchor="ctr">
-            <a:spAutoFit/>
-          </a:bodyPr>
-          <a:p>
-            <a:r>
-              <a:rPr b="0" lang="en-US" sz="1800" spc="-1" strike="noStrike">
+            <a:noAutofit/>
+          </a:bodyPr>
+          <a:p>
+            <a:pPr algn="ctr"/>
+            <a:r>
+              <a:rPr b="0" lang="en" sz="1800" spc="-1" strike="noStrike">
                 <a:latin typeface="Arial"/>
               </a:rPr>
               <a:t>Click to edit the title text format</a:t>
             </a:r>
-            <a:endParaRPr b="0" lang="en-US" sz="1800" spc="-1" strike="noStrike">
+            <a:endParaRPr b="0" lang="en" sz="1800" spc="-1" strike="noStrike">
               <a:latin typeface="Arial"/>
             </a:endParaRPr>
           </a:p>
@@ -2805,7 +2806,7 @@
         <p:spPr>
           <a:xfrm>
             <a:off x="609480" y="1604520"/>
-            <a:ext cx="10972440" cy="3977280"/>
+            <a:ext cx="10972080" cy="3976920"/>
           </a:xfrm>
           <a:prstGeom prst="rect">
             <a:avLst/>
@@ -2816,7 +2817,7 @@
             <a:normAutofit/>
           </a:bodyPr>
           <a:p>
-            <a:pPr marL="432000" indent="-324000">
+            <a:pPr marL="432000" indent="-324000" algn="ctr">
               <a:spcBef>
                 <a:spcPts val="1417"/>
               </a:spcBef>
@@ -2828,17 +2829,17 @@
               <a:buChar char=""/>
             </a:pPr>
             <a:r>
-              <a:rPr b="0" lang="en-US" sz="3200" spc="-1" strike="noStrike">
+              <a:rPr b="0" lang="en" sz="1800" spc="-1" strike="noStrike">
                 <a:latin typeface="Arial"/>
               </a:rPr>
               <a:t>Click to edit the outline text format</a:t>
             </a:r>
-            <a:endParaRPr b="0" lang="en-US" sz="3200" spc="-1" strike="noStrike">
-              <a:latin typeface="Arial"/>
-            </a:endParaRPr>
-          </a:p>
-          <a:p>
-            <a:pPr lvl="1" marL="864000" indent="-324000">
+            <a:endParaRPr b="0" lang="en" sz="1800" spc="-1" strike="noStrike">
+              <a:latin typeface="Arial"/>
+            </a:endParaRPr>
+          </a:p>
+          <a:p>
+            <a:pPr lvl="1" marL="864000" indent="-324000" algn="ctr">
               <a:spcBef>
                 <a:spcPts val="1134"/>
               </a:spcBef>
@@ -2850,17 +2851,17 @@
               <a:buChar char=""/>
             </a:pPr>
             <a:r>
-              <a:rPr b="0" lang="en-US" sz="2800" spc="-1" strike="noStrike">
+              <a:rPr b="0" lang="en" sz="1800" spc="-1" strike="noStrike">
                 <a:latin typeface="Arial"/>
               </a:rPr>
               <a:t>Second Outline Level</a:t>
             </a:r>
-            <a:endParaRPr b="0" lang="en-US" sz="2800" spc="-1" strike="noStrike">
-              <a:latin typeface="Arial"/>
-            </a:endParaRPr>
-          </a:p>
-          <a:p>
-            <a:pPr lvl="2" marL="1296000" indent="-288000">
+            <a:endParaRPr b="0" lang="en" sz="1800" spc="-1" strike="noStrike">
+              <a:latin typeface="Arial"/>
+            </a:endParaRPr>
+          </a:p>
+          <a:p>
+            <a:pPr lvl="2" marL="1296000" indent="-288000" algn="ctr">
               <a:spcBef>
                 <a:spcPts val="850"/>
               </a:spcBef>
@@ -2872,17 +2873,17 @@
               <a:buChar char=""/>
             </a:pPr>
             <a:r>
-              <a:rPr b="0" lang="en-US" sz="2400" spc="-1" strike="noStrike">
+              <a:rPr b="0" lang="en" sz="1800" spc="-1" strike="noStrike">
                 <a:latin typeface="Arial"/>
               </a:rPr>
               <a:t>Third Outline Level</a:t>
             </a:r>
-            <a:endParaRPr b="0" lang="en-US" sz="2400" spc="-1" strike="noStrike">
-              <a:latin typeface="Arial"/>
-            </a:endParaRPr>
-          </a:p>
-          <a:p>
-            <a:pPr lvl="3" marL="1728000" indent="-216000">
+            <a:endParaRPr b="0" lang="en" sz="1800" spc="-1" strike="noStrike">
+              <a:latin typeface="Arial"/>
+            </a:endParaRPr>
+          </a:p>
+          <a:p>
+            <a:pPr lvl="3" marL="1728000" indent="-216000" algn="ctr">
               <a:spcBef>
                 <a:spcPts val="567"/>
               </a:spcBef>
@@ -2894,17 +2895,17 @@
               <a:buChar char=""/>
             </a:pPr>
             <a:r>
-              <a:rPr b="0" lang="en-US" sz="2000" spc="-1" strike="noStrike">
+              <a:rPr b="0" lang="en" sz="1800" spc="-1" strike="noStrike">
                 <a:latin typeface="Arial"/>
               </a:rPr>
               <a:t>Fourth Outline Level</a:t>
             </a:r>
-            <a:endParaRPr b="0" lang="en-US" sz="2000" spc="-1" strike="noStrike">
-              <a:latin typeface="Arial"/>
-            </a:endParaRPr>
-          </a:p>
-          <a:p>
-            <a:pPr lvl="4" marL="2160000" indent="-216000">
+            <a:endParaRPr b="0" lang="en" sz="1800" spc="-1" strike="noStrike">
+              <a:latin typeface="Arial"/>
+            </a:endParaRPr>
+          </a:p>
+          <a:p>
+            <a:pPr lvl="4" marL="2160000" indent="-216000" algn="ctr">
               <a:spcBef>
                 <a:spcPts val="283"/>
               </a:spcBef>
@@ -2916,17 +2917,17 @@
               <a:buChar char=""/>
             </a:pPr>
             <a:r>
-              <a:rPr b="0" lang="en-US" sz="2000" spc="-1" strike="noStrike">
+              <a:rPr b="0" lang="en" sz="1800" spc="-1" strike="noStrike">
                 <a:latin typeface="Arial"/>
               </a:rPr>
               <a:t>Fifth Outline Level</a:t>
             </a:r>
-            <a:endParaRPr b="0" lang="en-US" sz="2000" spc="-1" strike="noStrike">
-              <a:latin typeface="Arial"/>
-            </a:endParaRPr>
-          </a:p>
-          <a:p>
-            <a:pPr lvl="5" marL="2592000" indent="-216000">
+            <a:endParaRPr b="0" lang="en" sz="1800" spc="-1" strike="noStrike">
+              <a:latin typeface="Arial"/>
+            </a:endParaRPr>
+          </a:p>
+          <a:p>
+            <a:pPr lvl="5" marL="2592000" indent="-216000" algn="ctr">
               <a:spcBef>
                 <a:spcPts val="283"/>
               </a:spcBef>
@@ -2938,17 +2939,17 @@
               <a:buChar char=""/>
             </a:pPr>
             <a:r>
-              <a:rPr b="0" lang="en-US" sz="2000" spc="-1" strike="noStrike">
+              <a:rPr b="0" lang="en" sz="1800" spc="-1" strike="noStrike">
                 <a:latin typeface="Arial"/>
               </a:rPr>
               <a:t>Sixth Outline Level</a:t>
             </a:r>
-            <a:endParaRPr b="0" lang="en-US" sz="2000" spc="-1" strike="noStrike">
-              <a:latin typeface="Arial"/>
-            </a:endParaRPr>
-          </a:p>
-          <a:p>
-            <a:pPr lvl="6" marL="3024000" indent="-216000">
+            <a:endParaRPr b="0" lang="en" sz="1800" spc="-1" strike="noStrike">
+              <a:latin typeface="Arial"/>
+            </a:endParaRPr>
+          </a:p>
+          <a:p>
+            <a:pPr lvl="6" marL="3024000" indent="-216000" algn="ctr">
               <a:spcBef>
                 <a:spcPts val="283"/>
               </a:spcBef>
@@ -2960,12 +2961,12 @@
               <a:buChar char=""/>
             </a:pPr>
             <a:r>
-              <a:rPr b="0" lang="en-US" sz="2000" spc="-1" strike="noStrike">
+              <a:rPr b="0" lang="en" sz="1800" spc="-1" strike="noStrike">
                 <a:latin typeface="Arial"/>
               </a:rPr>
               <a:t>Seventh Outline Level</a:t>
             </a:r>
-            <a:endParaRPr b="0" lang="en-US" sz="2000" spc="-1" strike="noStrike">
+            <a:endParaRPr b="0" lang="en" sz="1800" spc="-1" strike="noStrike">
               <a:latin typeface="Arial"/>
             </a:endParaRPr>
           </a:p>
@@ -3028,7 +3029,7 @@
         <p:spPr>
           <a:xfrm>
             <a:off x="9233640" y="79920"/>
-            <a:ext cx="2868120" cy="572040"/>
+            <a:ext cx="2867760" cy="571680"/>
           </a:xfrm>
           <a:prstGeom prst="rect">
             <a:avLst/>
@@ -3098,12 +3099,12 @@
           <a:p>
             <a:pPr algn="ctr"/>
             <a:r>
-              <a:rPr b="0" lang="en-US" sz="4400" spc="-1" strike="noStrike">
+              <a:rPr b="0" lang="en" sz="4400" spc="-1" strike="noStrike">
                 <a:latin typeface="Arial"/>
               </a:rPr>
               <a:t>Click to edit the title text format</a:t>
             </a:r>
-            <a:endParaRPr b="0" lang="en-US" sz="4400" spc="-1" strike="noStrike">
+            <a:endParaRPr b="0" lang="en" sz="4400" spc="-1" strike="noStrike">
               <a:latin typeface="Arial"/>
             </a:endParaRPr>
           </a:p>
@@ -3145,12 +3146,12 @@
               <a:buChar char=""/>
             </a:pPr>
             <a:r>
-              <a:rPr b="0" lang="en-US" sz="3200" spc="-1" strike="noStrike">
+              <a:rPr b="0" lang="en" sz="3200" spc="-1" strike="noStrike">
                 <a:latin typeface="Arial"/>
               </a:rPr>
               <a:t>Click to edit the outline text format</a:t>
             </a:r>
-            <a:endParaRPr b="0" lang="en-US" sz="3200" spc="-1" strike="noStrike">
+            <a:endParaRPr b="0" lang="en" sz="3200" spc="-1" strike="noStrike">
               <a:latin typeface="Arial"/>
             </a:endParaRPr>
           </a:p>
@@ -3167,12 +3168,12 @@
               <a:buChar char=""/>
             </a:pPr>
             <a:r>
-              <a:rPr b="0" lang="en-US" sz="2800" spc="-1" strike="noStrike">
+              <a:rPr b="0" lang="en" sz="2800" spc="-1" strike="noStrike">
                 <a:latin typeface="Arial"/>
               </a:rPr>
               <a:t>Second Outline Level</a:t>
             </a:r>
-            <a:endParaRPr b="0" lang="en-US" sz="2800" spc="-1" strike="noStrike">
+            <a:endParaRPr b="0" lang="en" sz="2800" spc="-1" strike="noStrike">
               <a:latin typeface="Arial"/>
             </a:endParaRPr>
           </a:p>
@@ -3189,12 +3190,12 @@
               <a:buChar char=""/>
             </a:pPr>
             <a:r>
-              <a:rPr b="0" lang="en-US" sz="2400" spc="-1" strike="noStrike">
+              <a:rPr b="0" lang="en" sz="2400" spc="-1" strike="noStrike">
                 <a:latin typeface="Arial"/>
               </a:rPr>
               <a:t>Third Outline Level</a:t>
             </a:r>
-            <a:endParaRPr b="0" lang="en-US" sz="2400" spc="-1" strike="noStrike">
+            <a:endParaRPr b="0" lang="en" sz="2400" spc="-1" strike="noStrike">
               <a:latin typeface="Arial"/>
             </a:endParaRPr>
           </a:p>
@@ -3211,12 +3212,12 @@
               <a:buChar char=""/>
             </a:pPr>
             <a:r>
-              <a:rPr b="0" lang="en-US" sz="2000" spc="-1" strike="noStrike">
+              <a:rPr b="0" lang="en" sz="2000" spc="-1" strike="noStrike">
                 <a:latin typeface="Arial"/>
               </a:rPr>
               <a:t>Fourth Outline Level</a:t>
             </a:r>
-            <a:endParaRPr b="0" lang="en-US" sz="2000" spc="-1" strike="noStrike">
+            <a:endParaRPr b="0" lang="en" sz="2000" spc="-1" strike="noStrike">
               <a:latin typeface="Arial"/>
             </a:endParaRPr>
           </a:p>
@@ -3233,12 +3234,12 @@
               <a:buChar char=""/>
             </a:pPr>
             <a:r>
-              <a:rPr b="0" lang="en-US" sz="2000" spc="-1" strike="noStrike">
+              <a:rPr b="0" lang="en" sz="2000" spc="-1" strike="noStrike">
                 <a:latin typeface="Arial"/>
               </a:rPr>
               <a:t>Fifth Outline Level</a:t>
             </a:r>
-            <a:endParaRPr b="0" lang="en-US" sz="2000" spc="-1" strike="noStrike">
+            <a:endParaRPr b="0" lang="en" sz="2000" spc="-1" strike="noStrike">
               <a:latin typeface="Arial"/>
             </a:endParaRPr>
           </a:p>
@@ -3255,12 +3256,12 @@
               <a:buChar char=""/>
             </a:pPr>
             <a:r>
-              <a:rPr b="0" lang="en-US" sz="2000" spc="-1" strike="noStrike">
+              <a:rPr b="0" lang="en" sz="2000" spc="-1" strike="noStrike">
                 <a:latin typeface="Arial"/>
               </a:rPr>
               <a:t>Sixth Outline Level</a:t>
             </a:r>
-            <a:endParaRPr b="0" lang="en-US" sz="2000" spc="-1" strike="noStrike">
+            <a:endParaRPr b="0" lang="en" sz="2000" spc="-1" strike="noStrike">
               <a:latin typeface="Arial"/>
             </a:endParaRPr>
           </a:p>
@@ -3277,12 +3278,12 @@
               <a:buChar char=""/>
             </a:pPr>
             <a:r>
-              <a:rPr b="0" lang="en-US" sz="2000" spc="-1" strike="noStrike">
+              <a:rPr b="0" lang="en" sz="2000" spc="-1" strike="noStrike">
                 <a:latin typeface="Arial"/>
               </a:rPr>
               <a:t>Seventh Outline Level</a:t>
             </a:r>
-            <a:endParaRPr b="0" lang="en-US" sz="2000" spc="-1" strike="noStrike">
+            <a:endParaRPr b="0" lang="en" sz="2000" spc="-1" strike="noStrike">
               <a:latin typeface="Arial"/>
             </a:endParaRPr>
           </a:p>
@@ -3334,7 +3335,7 @@
         <p:spPr>
           <a:xfrm>
             <a:off x="1523880" y="1284120"/>
-            <a:ext cx="9143280" cy="2386800"/>
+            <a:ext cx="9142920" cy="2386440"/>
           </a:xfrm>
           <a:prstGeom prst="rect">
             <a:avLst/>
@@ -3361,7 +3362,7 @@
               </a:lnSpc>
             </a:pPr>
             <a:r>
-              <a:rPr b="0" lang="en-US" sz="6000" spc="-1" strike="noStrike">
+              <a:rPr b="0" lang="en" sz="6000" spc="-1" strike="noStrike">
                 <a:solidFill>
                   <a:srgbClr val="000000"/>
                 </a:solidFill>
@@ -3371,7 +3372,7 @@
               <a:t>“</a:t>
             </a:r>
             <a:r>
-              <a:rPr b="0" lang="en-US" sz="6000" spc="-1" strike="noStrike">
+              <a:rPr b="0" lang="en" sz="6000" spc="-1" strike="noStrike">
                 <a:solidFill>
                   <a:srgbClr val="000000"/>
                 </a:solidFill>
@@ -3380,7 +3381,7 @@
               </a:rPr>
               <a:t>Production-grade” Software</a:t>
             </a:r>
-            <a:endParaRPr b="0" lang="en-US" sz="6000" spc="-1" strike="noStrike">
+            <a:endParaRPr b="0" lang="en" sz="6000" spc="-1" strike="noStrike">
               <a:latin typeface="Arial"/>
             </a:endParaRPr>
           </a:p>
@@ -3399,7 +3400,7 @@
         <p:spPr>
           <a:xfrm>
             <a:off x="190800" y="275040"/>
-            <a:ext cx="5342760" cy="1065960"/>
+            <a:ext cx="5342400" cy="1065600"/>
           </a:xfrm>
           <a:prstGeom prst="rect">
             <a:avLst/>
@@ -3418,7 +3419,7 @@
         <p:spPr>
           <a:xfrm>
             <a:off x="1523880" y="4967640"/>
-            <a:ext cx="9143280" cy="1504440"/>
+            <a:ext cx="9142920" cy="1504080"/>
           </a:xfrm>
           <a:prstGeom prst="rect">
             <a:avLst/>
@@ -3448,7 +3449,7 @@
               </a:spcBef>
             </a:pPr>
             <a:r>
-              <a:rPr b="0" lang="en-US" sz="2400" spc="-1" strike="noStrike">
+              <a:rPr b="0" lang="en" sz="2400" spc="-1" strike="noStrike">
                 <a:solidFill>
                   <a:srgbClr val="000000"/>
                 </a:solidFill>
@@ -3457,7 +3458,7 @@
               </a:rPr>
               <a:t>Sagol School of Neuroscience, </a:t>
             </a:r>
-            <a:endParaRPr b="0" lang="en-US" sz="2400" spc="-1" strike="noStrike">
+            <a:endParaRPr b="0" lang="en" sz="2400" spc="-1" strike="noStrike">
               <a:latin typeface="Arial"/>
             </a:endParaRPr>
           </a:p>
@@ -3471,7 +3472,7 @@
               </a:spcBef>
             </a:pPr>
             <a:r>
-              <a:rPr b="0" lang="en-US" sz="2400" spc="-1" strike="noStrike">
+              <a:rPr b="0" lang="en" sz="2400" spc="-1" strike="noStrike">
                 <a:solidFill>
                   <a:srgbClr val="000000"/>
                 </a:solidFill>
@@ -3480,7 +3481,7 @@
               </a:rPr>
               <a:t>Data Science Hackathon, </a:t>
             </a:r>
-            <a:endParaRPr b="0" lang="en-US" sz="2400" spc="-1" strike="noStrike">
+            <a:endParaRPr b="0" lang="en" sz="2400" spc="-1" strike="noStrike">
               <a:latin typeface="Arial"/>
             </a:endParaRPr>
           </a:p>
@@ -3494,16 +3495,16 @@
               </a:spcBef>
             </a:pPr>
             <a:r>
-              <a:rPr b="0" lang="en-US" sz="2400" spc="-1" strike="noStrike">
+              <a:rPr b="0" lang="en" sz="2400" spc="-1" strike="noStrike">
                 <a:solidFill>
                   <a:srgbClr val="000000"/>
                 </a:solidFill>
                 <a:latin typeface="Candara"/>
                 <a:ea typeface="Cambria"/>
               </a:rPr>
-              <a:t>June 2019</a:t>
-            </a:r>
-            <a:endParaRPr b="0" lang="en-US" sz="2400" spc="-1" strike="noStrike">
+              <a:t>July 2020</a:t>
+            </a:r>
+            <a:endParaRPr b="0" lang="en" sz="2400" spc="-1" strike="noStrike">
               <a:latin typeface="Arial"/>
             </a:endParaRPr>
           </a:p>
@@ -3548,7 +3549,7 @@
         <p:spPr>
           <a:xfrm>
             <a:off x="838080" y="365040"/>
-            <a:ext cx="10514880" cy="1324800"/>
+            <a:ext cx="10514520" cy="1324440"/>
           </a:xfrm>
           <a:prstGeom prst="rect">
             <a:avLst/>
@@ -3575,7 +3576,7 @@
               </a:lnSpc>
             </a:pPr>
             <a:r>
-              <a:rPr b="0" lang="en-US" sz="4400" spc="-1" strike="noStrike">
+              <a:rPr b="0" lang="en" sz="4400" spc="-1" strike="noStrike">
                 <a:solidFill>
                   <a:srgbClr val="000000"/>
                 </a:solidFill>
@@ -3584,7 +3585,7 @@
               </a:rPr>
               <a:t>What is “production-grade”?</a:t>
             </a:r>
-            <a:endParaRPr b="0" lang="en-US" sz="4400" spc="-1" strike="noStrike">
+            <a:endParaRPr b="0" lang="en" sz="4400" spc="-1" strike="noStrike">
               <a:latin typeface="Arial"/>
             </a:endParaRPr>
           </a:p>
@@ -3599,7 +3600,7 @@
         <p:spPr>
           <a:xfrm>
             <a:off x="838080" y="1825560"/>
-            <a:ext cx="10514880" cy="4350600"/>
+            <a:ext cx="10514520" cy="4350240"/>
           </a:xfrm>
           <a:prstGeom prst="rect">
             <a:avLst/>
@@ -3629,15 +3630,16 @@
               </a:spcBef>
             </a:pPr>
             <a:r>
-              <a:rPr b="0" lang="en-US" sz="2800" spc="-1" strike="noStrike">
+              <a:rPr b="0" lang="en" sz="2800" spc="-1" strike="noStrike">
                 <a:solidFill>
                   <a:srgbClr val="000000"/>
                 </a:solidFill>
                 <a:latin typeface="Candara"/>
+                <a:ea typeface="DejaVu Sans"/>
               </a:rPr>
               <a:t>The standards imposed on scripts written for “production” in the industry are higher than the standards for private scripts.</a:t>
             </a:r>
-            <a:endParaRPr b="0" lang="en-US" sz="2800" spc="-1" strike="noStrike">
+            <a:endParaRPr b="0" lang="en" sz="2800" spc="-1" strike="noStrike">
               <a:latin typeface="Arial"/>
             </a:endParaRPr>
           </a:p>
@@ -3650,7 +3652,7 @@
                 <a:spcPts val="1001"/>
               </a:spcBef>
             </a:pPr>
-            <a:endParaRPr b="0" lang="en-US" sz="2800" spc="-1" strike="noStrike">
+            <a:endParaRPr b="0" lang="en" sz="2800" spc="-1" strike="noStrike">
               <a:latin typeface="Arial"/>
             </a:endParaRPr>
           </a:p>
@@ -3664,15 +3666,16 @@
               </a:spcBef>
             </a:pPr>
             <a:r>
-              <a:rPr b="0" lang="en-US" sz="2800" spc="-1" strike="noStrike">
+              <a:rPr b="0" lang="en" sz="2800" spc="-1" strike="noStrike">
                 <a:solidFill>
                   <a:srgbClr val="000000"/>
                 </a:solidFill>
                 <a:latin typeface="Candara"/>
+                <a:ea typeface="DejaVu Sans"/>
               </a:rPr>
               <a:t>Any script that may be used for your scientific work should be considered a “production-grade” script.</a:t>
             </a:r>
-            <a:endParaRPr b="0" lang="en-US" sz="2800" spc="-1" strike="noStrike">
+            <a:endParaRPr b="0" lang="en" sz="2800" spc="-1" strike="noStrike">
               <a:latin typeface="Arial"/>
             </a:endParaRPr>
           </a:p>
@@ -3685,7 +3688,7 @@
                 <a:spcPts val="1001"/>
               </a:spcBef>
             </a:pPr>
-            <a:endParaRPr b="0" lang="en-US" sz="2800" spc="-1" strike="noStrike">
+            <a:endParaRPr b="0" lang="en" sz="2800" spc="-1" strike="noStrike">
               <a:latin typeface="Arial"/>
             </a:endParaRPr>
           </a:p>
@@ -3834,14 +3837,14 @@
                 </p:childTnLst>
               </p:cTn>
               <p:prevCondLst>
-                <p:cond delay="0" evt="onPrev">
+                <p:cond evt="onPrev">
                   <p:tgtEl>
                     <p:sldTgt/>
                   </p:tgtEl>
                 </p:cond>
               </p:prevCondLst>
               <p:nextCondLst>
-                <p:cond delay="0" evt="onNext">
+                <p:cond evt="onNext">
                   <p:tgtEl>
                     <p:sldTgt/>
                   </p:tgtEl>
@@ -3882,7 +3885,7 @@
         <p:spPr>
           <a:xfrm>
             <a:off x="838080" y="365040"/>
-            <a:ext cx="10514880" cy="1324800"/>
+            <a:ext cx="10514520" cy="1324440"/>
           </a:xfrm>
           <a:prstGeom prst="rect">
             <a:avLst/>
@@ -3909,7 +3912,7 @@
               </a:lnSpc>
             </a:pPr>
             <a:r>
-              <a:rPr b="0" lang="en-US" sz="4400" spc="-1" strike="noStrike">
+              <a:rPr b="0" lang="en" sz="4400" spc="-1" strike="noStrike">
                 <a:solidFill>
                   <a:srgbClr val="000000"/>
                 </a:solidFill>
@@ -3918,7 +3921,7 @@
               </a:rPr>
               <a:t>What is “production-grade”?</a:t>
             </a:r>
-            <a:endParaRPr b="0" lang="en-US" sz="4400" spc="-1" strike="noStrike">
+            <a:endParaRPr b="0" lang="en" sz="4400" spc="-1" strike="noStrike">
               <a:latin typeface="Arial"/>
             </a:endParaRPr>
           </a:p>
@@ -3933,7 +3936,7 @@
         <p:spPr>
           <a:xfrm>
             <a:off x="838080" y="1825560"/>
-            <a:ext cx="10514880" cy="4350600"/>
+            <a:ext cx="10514520" cy="4350240"/>
           </a:xfrm>
           <a:prstGeom prst="rect">
             <a:avLst/>
@@ -3963,15 +3966,16 @@
               </a:spcBef>
             </a:pPr>
             <a:r>
-              <a:rPr b="0" lang="en-US" sz="2800" spc="-1" strike="noStrike">
+              <a:rPr b="0" lang="en" sz="2800" spc="-1" strike="noStrike">
                 <a:solidFill>
                   <a:srgbClr val="000000"/>
                 </a:solidFill>
                 <a:latin typeface="Candara"/>
+                <a:ea typeface="DejaVu Sans"/>
               </a:rPr>
               <a:t>Features of production-quality code include:</a:t>
             </a:r>
-            <a:endParaRPr b="0" lang="en-US" sz="2800" spc="-1" strike="noStrike">
+            <a:endParaRPr b="0" lang="en" sz="2800" spc="-1" strike="noStrike">
               <a:latin typeface="Arial"/>
             </a:endParaRPr>
           </a:p>
@@ -3984,12 +3988,12 @@
                 <a:spcPts val="1001"/>
               </a:spcBef>
             </a:pPr>
-            <a:endParaRPr b="0" lang="en-US" sz="2800" spc="-1" strike="noStrike">
-              <a:latin typeface="Arial"/>
-            </a:endParaRPr>
-          </a:p>
-          <a:p>
-            <a:pPr lvl="1" marL="685800" indent="-227880">
+            <a:endParaRPr b="0" lang="en" sz="2800" spc="-1" strike="noStrike">
+              <a:latin typeface="Arial"/>
+            </a:endParaRPr>
+          </a:p>
+          <a:p>
+            <a:pPr lvl="1" marL="685800" indent="-227520">
               <a:lnSpc>
                 <a:spcPct val="90000"/>
               </a:lnSpc>
@@ -4003,20 +4007,21 @@
               <a:buChar char="•"/>
             </a:pPr>
             <a:r>
-              <a:rPr b="0" lang="en-US" sz="2400" spc="-1" strike="noStrike">
+              <a:rPr b="0" lang="en" sz="2400" spc="-1" strike="noStrike">
                 <a:solidFill>
                   <a:srgbClr val="000000"/>
                 </a:solidFill>
                 <a:latin typeface="Candara"/>
+                <a:ea typeface="DejaVu Sans"/>
               </a:rPr>
               <a:t>Fully-documented, </a:t>
             </a:r>
-            <a:endParaRPr b="0" lang="en-US" sz="2400" spc="-1" strike="noStrike">
-              <a:latin typeface="Arial"/>
-            </a:endParaRPr>
-          </a:p>
-          <a:p>
-            <a:pPr lvl="1" marL="685800" indent="-227880">
+            <a:endParaRPr b="0" lang="en" sz="2400" spc="-1" strike="noStrike">
+              <a:latin typeface="Arial"/>
+            </a:endParaRPr>
+          </a:p>
+          <a:p>
+            <a:pPr lvl="1" marL="685800" indent="-227520">
               <a:lnSpc>
                 <a:spcPct val="90000"/>
               </a:lnSpc>
@@ -4030,15 +4035,16 @@
               <a:buChar char="•"/>
             </a:pPr>
             <a:r>
-              <a:rPr b="0" lang="en-US" sz="2400" spc="-1" strike="noStrike">
+              <a:rPr b="0" lang="en" sz="2400" spc="-1" strike="noStrike">
                 <a:solidFill>
                   <a:srgbClr val="000000"/>
                 </a:solidFill>
                 <a:latin typeface="Candara"/>
+                <a:ea typeface="DejaVu Sans"/>
               </a:rPr>
               <a:t>readable and performant code</a:t>
             </a:r>
-            <a:endParaRPr b="0" lang="en-US" sz="2400" spc="-1" strike="noStrike">
+            <a:endParaRPr b="0" lang="en" sz="2400" spc="-1" strike="noStrike">
               <a:latin typeface="Arial"/>
             </a:endParaRPr>
           </a:p>
@@ -4051,12 +4057,12 @@
                 <a:spcPts val="499"/>
               </a:spcBef>
             </a:pPr>
-            <a:endParaRPr b="0" lang="en-US" sz="2400" spc="-1" strike="noStrike">
-              <a:latin typeface="Arial"/>
-            </a:endParaRPr>
-          </a:p>
-          <a:p>
-            <a:pPr lvl="1" marL="685800" indent="-227880">
+            <a:endParaRPr b="0" lang="en" sz="2400" spc="-1" strike="noStrike">
+              <a:latin typeface="Arial"/>
+            </a:endParaRPr>
+          </a:p>
+          <a:p>
+            <a:pPr lvl="1" marL="685800" indent="-227520">
               <a:lnSpc>
                 <a:spcPct val="90000"/>
               </a:lnSpc>
@@ -4070,20 +4076,21 @@
               <a:buChar char="•"/>
             </a:pPr>
             <a:r>
-              <a:rPr b="0" lang="en-US" sz="2400" spc="-1" strike="noStrike">
+              <a:rPr b="0" lang="en" sz="2400" spc="-1" strike="noStrike">
                 <a:solidFill>
                   <a:srgbClr val="000000"/>
                 </a:solidFill>
                 <a:latin typeface="Candara"/>
+                <a:ea typeface="DejaVu Sans"/>
               </a:rPr>
               <a:t>Online version control</a:t>
             </a:r>
-            <a:endParaRPr b="0" lang="en-US" sz="2400" spc="-1" strike="noStrike">
-              <a:latin typeface="Arial"/>
-            </a:endParaRPr>
-          </a:p>
-          <a:p>
-            <a:pPr lvl="1" marL="685800" indent="-227880">
+            <a:endParaRPr b="0" lang="en" sz="2400" spc="-1" strike="noStrike">
+              <a:latin typeface="Arial"/>
+            </a:endParaRPr>
+          </a:p>
+          <a:p>
+            <a:pPr lvl="1" marL="685800" indent="-227520">
               <a:lnSpc>
                 <a:spcPct val="90000"/>
               </a:lnSpc>
@@ -4097,15 +4104,16 @@
               <a:buChar char="•"/>
             </a:pPr>
             <a:r>
-              <a:rPr b="0" lang="en-US" sz="2400" spc="-1" strike="noStrike">
+              <a:rPr b="0" lang="en" sz="2400" spc="-1" strike="noStrike">
                 <a:solidFill>
                   <a:srgbClr val="000000"/>
                 </a:solidFill>
                 <a:latin typeface="Candara"/>
+                <a:ea typeface="DejaVu Sans"/>
               </a:rPr>
               <a:t>with issue management and pull requests</a:t>
             </a:r>
-            <a:endParaRPr b="0" lang="en-US" sz="2400" spc="-1" strike="noStrike">
+            <a:endParaRPr b="0" lang="en" sz="2400" spc="-1" strike="noStrike">
               <a:latin typeface="Arial"/>
             </a:endParaRPr>
           </a:p>
@@ -4115,12 +4123,12 @@
                 <a:spcPct val="100000"/>
               </a:lnSpc>
             </a:pPr>
-            <a:endParaRPr b="0" lang="en-US" sz="2400" spc="-1" strike="noStrike">
-              <a:latin typeface="Arial"/>
-            </a:endParaRPr>
-          </a:p>
-          <a:p>
-            <a:pPr lvl="1" marL="685800" indent="-227880">
+            <a:endParaRPr b="0" lang="en" sz="2400" spc="-1" strike="noStrike">
+              <a:latin typeface="Arial"/>
+            </a:endParaRPr>
+          </a:p>
+          <a:p>
+            <a:pPr lvl="1" marL="685800" indent="-227520">
               <a:lnSpc>
                 <a:spcPct val="90000"/>
               </a:lnSpc>
@@ -4134,20 +4142,21 @@
               <a:buChar char="•"/>
             </a:pPr>
             <a:r>
-              <a:rPr b="0" lang="en-US" sz="2400" spc="-1" strike="noStrike">
+              <a:rPr b="0" lang="en" sz="2400" spc="-1" strike="noStrike">
                 <a:solidFill>
                   <a:srgbClr val="000000"/>
                 </a:solidFill>
                 <a:latin typeface="Candara"/>
+                <a:ea typeface="DejaVu Sans"/>
               </a:rPr>
               <a:t>A comprehensive test suite</a:t>
             </a:r>
-            <a:endParaRPr b="0" lang="en-US" sz="2400" spc="-1" strike="noStrike">
-              <a:latin typeface="Arial"/>
-            </a:endParaRPr>
-          </a:p>
-          <a:p>
-            <a:pPr lvl="1" marL="685800" indent="-227880">
+            <a:endParaRPr b="0" lang="en" sz="2400" spc="-1" strike="noStrike">
+              <a:latin typeface="Arial"/>
+            </a:endParaRPr>
+          </a:p>
+          <a:p>
+            <a:pPr lvl="1" marL="685800" indent="-227520">
               <a:lnSpc>
                 <a:spcPct val="90000"/>
               </a:lnSpc>
@@ -4161,15 +4170,16 @@
               <a:buChar char="•"/>
             </a:pPr>
             <a:r>
-              <a:rPr b="0" lang="en-US" sz="2400" spc="-1" strike="noStrike">
+              <a:rPr b="0" lang="en" sz="2400" spc="-1" strike="noStrike">
                 <a:solidFill>
                   <a:srgbClr val="000000"/>
                 </a:solidFill>
                 <a:latin typeface="Candara"/>
+                <a:ea typeface="DejaVu Sans"/>
               </a:rPr>
               <a:t>with continuous integration</a:t>
             </a:r>
-            <a:endParaRPr b="0" lang="en-US" sz="2400" spc="-1" strike="noStrike">
+            <a:endParaRPr b="0" lang="en" sz="2400" spc="-1" strike="noStrike">
               <a:latin typeface="Arial"/>
             </a:endParaRPr>
           </a:p>
@@ -4179,7 +4189,7 @@
                 <a:spcPct val="100000"/>
               </a:lnSpc>
             </a:pPr>
-            <a:endParaRPr b="0" lang="en-US" sz="2400" spc="-1" strike="noStrike">
+            <a:endParaRPr b="0" lang="en" sz="2400" spc="-1" strike="noStrike">
               <a:latin typeface="Arial"/>
             </a:endParaRPr>
           </a:p>
@@ -4192,7 +4202,7 @@
                 <a:spcPts val="1001"/>
               </a:spcBef>
             </a:pPr>
-            <a:endParaRPr b="0" lang="en-US" sz="2400" spc="-1" strike="noStrike">
+            <a:endParaRPr b="0" lang="en" sz="2400" spc="-1" strike="noStrike">
               <a:latin typeface="Arial"/>
             </a:endParaRPr>
           </a:p>
@@ -4205,7 +4215,7 @@
                 <a:spcPts val="1001"/>
               </a:spcBef>
             </a:pPr>
-            <a:endParaRPr b="0" lang="en-US" sz="2400" spc="-1" strike="noStrike">
+            <a:endParaRPr b="0" lang="en" sz="2400" spc="-1" strike="noStrike">
               <a:latin typeface="Arial"/>
             </a:endParaRPr>
           </a:p>
@@ -4218,7 +4228,7 @@
                 <a:spcPts val="1001"/>
               </a:spcBef>
             </a:pPr>
-            <a:endParaRPr b="0" lang="en-US" sz="2400" spc="-1" strike="noStrike">
+            <a:endParaRPr b="0" lang="en" sz="2400" spc="-1" strike="noStrike">
               <a:latin typeface="Arial"/>
             </a:endParaRPr>
           </a:p>
@@ -4618,14 +4628,14 @@
                 </p:childTnLst>
               </p:cTn>
               <p:prevCondLst>
-                <p:cond delay="0" evt="onPrev">
+                <p:cond evt="onPrev">
                   <p:tgtEl>
                     <p:sldTgt/>
                   </p:tgtEl>
                 </p:cond>
               </p:prevCondLst>
               <p:nextCondLst>
-                <p:cond delay="0" evt="onNext">
+                <p:cond evt="onNext">
                   <p:tgtEl>
                     <p:sldTgt/>
                   </p:tgtEl>
@@ -4666,7 +4676,7 @@
         <p:spPr>
           <a:xfrm>
             <a:off x="838080" y="365040"/>
-            <a:ext cx="10514880" cy="1324800"/>
+            <a:ext cx="10514520" cy="1324440"/>
           </a:xfrm>
           <a:prstGeom prst="rect">
             <a:avLst/>
@@ -4693,7 +4703,7 @@
               </a:lnSpc>
             </a:pPr>
             <a:r>
-              <a:rPr b="0" lang="en-US" sz="4400" spc="-1" strike="noStrike">
+              <a:rPr b="0" lang="en" sz="4400" spc="-1" strike="noStrike">
                 <a:solidFill>
                   <a:srgbClr val="000000"/>
                 </a:solidFill>
@@ -4702,7 +4712,7 @@
               </a:rPr>
               <a:t>How to Achieve These Goals?</a:t>
             </a:r>
-            <a:endParaRPr b="0" lang="en-US" sz="4400" spc="-1" strike="noStrike">
+            <a:endParaRPr b="0" lang="en" sz="4400" spc="-1" strike="noStrike">
               <a:latin typeface="Arial"/>
             </a:endParaRPr>
           </a:p>
@@ -4717,7 +4727,7 @@
         <p:spPr>
           <a:xfrm>
             <a:off x="838080" y="1825560"/>
-            <a:ext cx="10514880" cy="4350600"/>
+            <a:ext cx="10514520" cy="4350240"/>
           </a:xfrm>
           <a:prstGeom prst="rect">
             <a:avLst/>
@@ -4747,25 +4757,27 @@
               </a:spcBef>
             </a:pPr>
             <a:r>
-              <a:rPr b="0" lang="en-US" sz="2800" spc="-1" strike="noStrike" u="sng">
+              <a:rPr b="0" lang="en" sz="2800" spc="-1" strike="noStrike" u="sng">
                 <a:solidFill>
                   <a:srgbClr val="000000"/>
                 </a:solidFill>
                 <a:uFillTx/>
                 <a:latin typeface="Candara"/>
+                <a:ea typeface="DejaVu Sans"/>
               </a:rPr>
               <a:t>Fully-documented, readable and performant code</a:t>
             </a:r>
             <a:r>
-              <a:rPr b="0" lang="en-US" sz="2800" spc="-1" strike="noStrike">
+              <a:rPr b="0" lang="en" sz="2800" spc="-1" strike="noStrike">
                 <a:solidFill>
                   <a:srgbClr val="000000"/>
                 </a:solidFill>
                 <a:latin typeface="Candara"/>
+                <a:ea typeface="DejaVu Sans"/>
               </a:rPr>
               <a:t>:</a:t>
             </a:r>
-            <a:endParaRPr b="0" lang="en-US" sz="2800" spc="-1" strike="noStrike">
+            <a:endParaRPr b="0" lang="en" sz="2800" spc="-1" strike="noStrike">
               <a:latin typeface="Arial"/>
             </a:endParaRPr>
           </a:p>
@@ -4778,12 +4790,12 @@
                 <a:spcPts val="499"/>
               </a:spcBef>
             </a:pPr>
-            <a:endParaRPr b="0" lang="en-US" sz="2800" spc="-1" strike="noStrike">
-              <a:latin typeface="Arial"/>
-            </a:endParaRPr>
-          </a:p>
-          <a:p>
-            <a:pPr lvl="1" marL="685800" indent="-227880">
+            <a:endParaRPr b="0" lang="en" sz="2800" spc="-1" strike="noStrike">
+              <a:latin typeface="Arial"/>
+            </a:endParaRPr>
+          </a:p>
+          <a:p>
+            <a:pPr lvl="1" marL="685800" indent="-227520">
               <a:lnSpc>
                 <a:spcPct val="90000"/>
               </a:lnSpc>
@@ -4797,15 +4809,16 @@
               <a:buChar char="•"/>
             </a:pPr>
             <a:r>
-              <a:rPr b="0" lang="en-US" sz="2400" spc="-1" strike="noStrike">
+              <a:rPr b="0" lang="en" sz="2400" spc="-1" strike="noStrike">
                 <a:solidFill>
                   <a:srgbClr val="000000"/>
                 </a:solidFill>
                 <a:latin typeface="Candara"/>
+                <a:ea typeface="DejaVu Sans"/>
               </a:rPr>
               <a:t>Think about the documentation and usability from the get-go. </a:t>
             </a:r>
-            <a:endParaRPr b="0" lang="en-US" sz="2400" spc="-1" strike="noStrike">
+            <a:endParaRPr b="0" lang="en" sz="2400" spc="-1" strike="noStrike">
               <a:latin typeface="Arial"/>
             </a:endParaRPr>
           </a:p>
@@ -4815,12 +4828,12 @@
                 <a:spcPct val="100000"/>
               </a:lnSpc>
             </a:pPr>
-            <a:endParaRPr b="0" lang="en-US" sz="2400" spc="-1" strike="noStrike">
-              <a:latin typeface="Arial"/>
-            </a:endParaRPr>
-          </a:p>
-          <a:p>
-            <a:pPr lvl="1" marL="685800" indent="-227880">
+            <a:endParaRPr b="0" lang="en" sz="2400" spc="-1" strike="noStrike">
+              <a:latin typeface="Arial"/>
+            </a:endParaRPr>
+          </a:p>
+          <a:p>
+            <a:pPr lvl="1" marL="685800" indent="-227520">
               <a:lnSpc>
                 <a:spcPct val="90000"/>
               </a:lnSpc>
@@ -4834,20 +4847,21 @@
               <a:buChar char="•"/>
             </a:pPr>
             <a:r>
-              <a:rPr b="0" lang="en-US" sz="2400" spc="-1" strike="noStrike">
+              <a:rPr b="0" lang="en" sz="2400" spc="-1" strike="noStrike">
                 <a:solidFill>
                   <a:srgbClr val="000000"/>
                 </a:solidFill>
                 <a:latin typeface="Candara"/>
+                <a:ea typeface="DejaVu Sans"/>
               </a:rPr>
               <a:t>Extensive use of language features:</a:t>
             </a:r>
-            <a:endParaRPr b="0" lang="en-US" sz="2400" spc="-1" strike="noStrike">
-              <a:latin typeface="Arial"/>
-            </a:endParaRPr>
-          </a:p>
-          <a:p>
-            <a:pPr lvl="2" marL="1143000" indent="-227880">
+            <a:endParaRPr b="0" lang="en" sz="2400" spc="-1" strike="noStrike">
+              <a:latin typeface="Arial"/>
+            </a:endParaRPr>
+          </a:p>
+          <a:p>
+            <a:pPr lvl="2" marL="1143000" indent="-227520">
               <a:lnSpc>
                 <a:spcPct val="90000"/>
               </a:lnSpc>
@@ -4861,29 +4875,31 @@
               <a:buChar char="•"/>
             </a:pPr>
             <a:r>
-              <a:rPr b="0" lang="en-US" sz="2000" spc="-1" strike="noStrike">
+              <a:rPr b="0" lang="en" sz="2000" spc="-1" strike="noStrike">
                 <a:solidFill>
                   <a:srgbClr val="000000"/>
                 </a:solidFill>
                 <a:latin typeface="Candara"/>
+                <a:ea typeface="DejaVu Sans"/>
               </a:rPr>
               <a:t>List comprehensions, </a:t>
             </a:r>
             <a:r>
-              <a:rPr b="0" lang="en-US" sz="2000" spc="-1" strike="noStrike">
+              <a:rPr b="0" lang="en" sz="2000" spc="-1" strike="noStrike">
                 <a:solidFill>
                   <a:srgbClr val="000000"/>
                 </a:solidFill>
                 <a:latin typeface="Consolas"/>
+                <a:ea typeface="DejaVu Sans"/>
               </a:rPr>
               <a:t>namedtuples</a:t>
             </a:r>
-            <a:endParaRPr b="0" lang="en-US" sz="2000" spc="-1" strike="noStrike">
-              <a:latin typeface="Arial"/>
-            </a:endParaRPr>
-          </a:p>
-          <a:p>
-            <a:pPr lvl="2" marL="1143000" indent="-227880">
+            <a:endParaRPr b="0" lang="en" sz="2000" spc="-1" strike="noStrike">
+              <a:latin typeface="Arial"/>
+            </a:endParaRPr>
+          </a:p>
+          <a:p>
+            <a:pPr lvl="2" marL="1143000" indent="-227520">
               <a:lnSpc>
                 <a:spcPct val="90000"/>
               </a:lnSpc>
@@ -4897,20 +4913,21 @@
               <a:buChar char="•"/>
             </a:pPr>
             <a:r>
-              <a:rPr b="0" lang="en-US" sz="2000" spc="-1" strike="noStrike">
+              <a:rPr b="0" lang="en" sz="2000" spc="-1" strike="noStrike">
                 <a:solidFill>
                   <a:srgbClr val="000000"/>
                 </a:solidFill>
                 <a:latin typeface="Candara"/>
+                <a:ea typeface="DejaVu Sans"/>
               </a:rPr>
               <a:t>Modularization and code reuse</a:t>
             </a:r>
-            <a:endParaRPr b="0" lang="en-US" sz="2000" spc="-1" strike="noStrike">
-              <a:latin typeface="Arial"/>
-            </a:endParaRPr>
-          </a:p>
-          <a:p>
-            <a:pPr lvl="2" marL="1143000" indent="-227880">
+            <a:endParaRPr b="0" lang="en" sz="2000" spc="-1" strike="noStrike">
+              <a:latin typeface="Arial"/>
+            </a:endParaRPr>
+          </a:p>
+          <a:p>
+            <a:pPr lvl="2" marL="1143000" indent="-227520">
               <a:lnSpc>
                 <a:spcPct val="90000"/>
               </a:lnSpc>
@@ -4924,60 +4941,66 @@
               <a:buChar char="•"/>
             </a:pPr>
             <a:r>
-              <a:rPr b="0" lang="en-US" sz="2000" spc="-1" strike="noStrike">
+              <a:rPr b="0" lang="en" sz="2000" spc="-1" strike="noStrike">
                 <a:solidFill>
                   <a:srgbClr val="000000"/>
                 </a:solidFill>
                 <a:latin typeface="Candara"/>
+                <a:ea typeface="DejaVu Sans"/>
               </a:rPr>
               <a:t>Libraries like </a:t>
             </a:r>
             <a:r>
-              <a:rPr b="0" lang="en-US" sz="2000" spc="-1" strike="noStrike">
+              <a:rPr b="0" lang="en" sz="2000" spc="-1" strike="noStrike">
                 <a:solidFill>
                   <a:srgbClr val="000000"/>
                 </a:solidFill>
                 <a:latin typeface="Consolas"/>
+                <a:ea typeface="DejaVu Sans"/>
               </a:rPr>
               <a:t>attrs,</a:t>
             </a:r>
             <a:r>
-              <a:rPr b="0" lang="en-US" sz="2000" spc="-1" strike="noStrike">
+              <a:rPr b="0" lang="en" sz="2000" spc="-1" strike="noStrike">
                 <a:solidFill>
                   <a:srgbClr val="000000"/>
                 </a:solidFill>
                 <a:latin typeface="Candara"/>
+                <a:ea typeface="DejaVu Sans"/>
               </a:rPr>
               <a:t> </a:t>
             </a:r>
             <a:r>
-              <a:rPr b="0" lang="en-US" sz="2000" spc="-1" strike="noStrike">
+              <a:rPr b="0" lang="en" sz="2000" spc="-1" strike="noStrike">
                 <a:solidFill>
                   <a:srgbClr val="000000"/>
                 </a:solidFill>
                 <a:latin typeface="Consolas"/>
+                <a:ea typeface="DejaVu Sans"/>
               </a:rPr>
               <a:t>cookiecutter</a:t>
             </a:r>
             <a:r>
-              <a:rPr b="0" lang="en-US" sz="2000" spc="-1" strike="noStrike">
+              <a:rPr b="0" lang="en" sz="2000" spc="-1" strike="noStrike">
                 <a:solidFill>
                   <a:srgbClr val="000000"/>
                 </a:solidFill>
                 <a:latin typeface="Candara"/>
+                <a:ea typeface="DejaVu Sans"/>
               </a:rPr>
               <a:t> and </a:t>
             </a:r>
             <a:r>
-              <a:rPr b="0" lang="en-US" sz="2000" spc="-1" strike="noStrike">
+              <a:rPr b="0" lang="en" sz="2000" spc="-1" strike="noStrike">
                 <a:solidFill>
                   <a:srgbClr val="000000"/>
                 </a:solidFill>
                 <a:latin typeface="Consolas"/>
+                <a:ea typeface="DejaVu Sans"/>
               </a:rPr>
               <a:t>sphinx</a:t>
             </a:r>
-            <a:endParaRPr b="0" lang="en-US" sz="2000" spc="-1" strike="noStrike">
+            <a:endParaRPr b="0" lang="en" sz="2000" spc="-1" strike="noStrike">
               <a:latin typeface="Arial"/>
             </a:endParaRPr>
           </a:p>
@@ -4987,12 +5010,12 @@
                 <a:spcPct val="100000"/>
               </a:lnSpc>
             </a:pPr>
-            <a:endParaRPr b="0" lang="en-US" sz="2000" spc="-1" strike="noStrike">
-              <a:latin typeface="Arial"/>
-            </a:endParaRPr>
-          </a:p>
-          <a:p>
-            <a:pPr lvl="1" marL="685800" indent="-227880">
+            <a:endParaRPr b="0" lang="en" sz="2000" spc="-1" strike="noStrike">
+              <a:latin typeface="Arial"/>
+            </a:endParaRPr>
+          </a:p>
+          <a:p>
+            <a:pPr lvl="1" marL="685800" indent="-227520">
               <a:lnSpc>
                 <a:spcPct val="90000"/>
               </a:lnSpc>
@@ -5006,15 +5029,16 @@
               <a:buChar char="•"/>
             </a:pPr>
             <a:r>
-              <a:rPr b="0" lang="en-US" sz="2400" spc="-1" strike="noStrike">
+              <a:rPr b="0" lang="en" sz="2400" spc="-1" strike="noStrike">
                 <a:solidFill>
                   <a:srgbClr val="000000"/>
                 </a:solidFill>
                 <a:latin typeface="Candara"/>
+                <a:ea typeface="DejaVu Sans"/>
               </a:rPr>
               <a:t>Code reviews and refactoring according to PEP8.</a:t>
             </a:r>
-            <a:endParaRPr b="0" lang="en-US" sz="2400" spc="-1" strike="noStrike">
+            <a:endParaRPr b="0" lang="en" sz="2400" spc="-1" strike="noStrike">
               <a:latin typeface="Arial"/>
             </a:endParaRPr>
           </a:p>
@@ -5024,12 +5048,12 @@
                 <a:spcPct val="100000"/>
               </a:lnSpc>
             </a:pPr>
-            <a:endParaRPr b="0" lang="en-US" sz="2400" spc="-1" strike="noStrike">
-              <a:latin typeface="Arial"/>
-            </a:endParaRPr>
-          </a:p>
-          <a:p>
-            <a:pPr lvl="1" marL="685800" indent="-227880">
+            <a:endParaRPr b="0" lang="en" sz="2400" spc="-1" strike="noStrike">
+              <a:latin typeface="Arial"/>
+            </a:endParaRPr>
+          </a:p>
+          <a:p>
+            <a:pPr lvl="1" marL="685800" indent="-227520">
               <a:lnSpc>
                 <a:spcPct val="90000"/>
               </a:lnSpc>
@@ -5043,15 +5067,16 @@
               <a:buChar char="•"/>
             </a:pPr>
             <a:r>
-              <a:rPr b="0" lang="en-US" sz="2400" spc="-1" strike="noStrike">
+              <a:rPr b="0" lang="en" sz="2400" spc="-1" strike="noStrike">
                 <a:solidFill>
                   <a:srgbClr val="000000"/>
                 </a:solidFill>
                 <a:latin typeface="Candara"/>
+                <a:ea typeface="DejaVu Sans"/>
               </a:rPr>
               <a:t>Performance comes last, but it can make a difference.</a:t>
             </a:r>
-            <a:endParaRPr b="0" lang="en-US" sz="2400" spc="-1" strike="noStrike">
+            <a:endParaRPr b="0" lang="en" sz="2400" spc="-1" strike="noStrike">
               <a:latin typeface="Arial"/>
             </a:endParaRPr>
           </a:p>
@@ -5064,7 +5089,7 @@
                 <a:spcPts val="1001"/>
               </a:spcBef>
             </a:pPr>
-            <a:endParaRPr b="0" lang="en-US" sz="2400" spc="-1" strike="noStrike">
+            <a:endParaRPr b="0" lang="en" sz="2400" spc="-1" strike="noStrike">
               <a:latin typeface="Arial"/>
             </a:endParaRPr>
           </a:p>
@@ -5077,7 +5102,7 @@
                 <a:spcPts val="1001"/>
               </a:spcBef>
             </a:pPr>
-            <a:endParaRPr b="0" lang="en-US" sz="2400" spc="-1" strike="noStrike">
+            <a:endParaRPr b="0" lang="en" sz="2400" spc="-1" strike="noStrike">
               <a:latin typeface="Arial"/>
             </a:endParaRPr>
           </a:p>
@@ -5090,7 +5115,7 @@
                 <a:spcPts val="1001"/>
               </a:spcBef>
             </a:pPr>
-            <a:endParaRPr b="0" lang="en-US" sz="2400" spc="-1" strike="noStrike">
+            <a:endParaRPr b="0" lang="en" sz="2400" spc="-1" strike="noStrike">
               <a:latin typeface="Arial"/>
             </a:endParaRPr>
           </a:p>
@@ -5103,7 +5128,7 @@
                 <a:spcPts val="1001"/>
               </a:spcBef>
             </a:pPr>
-            <a:endParaRPr b="0" lang="en-US" sz="2400" spc="-1" strike="noStrike">
+            <a:endParaRPr b="0" lang="en" sz="2400" spc="-1" strike="noStrike">
               <a:latin typeface="Arial"/>
             </a:endParaRPr>
           </a:p>
@@ -5148,7 +5173,7 @@
         <p:spPr>
           <a:xfrm>
             <a:off x="838080" y="365040"/>
-            <a:ext cx="10514880" cy="1324800"/>
+            <a:ext cx="10514520" cy="1324440"/>
           </a:xfrm>
           <a:prstGeom prst="rect">
             <a:avLst/>
@@ -5175,7 +5200,7 @@
               </a:lnSpc>
             </a:pPr>
             <a:r>
-              <a:rPr b="0" lang="en-US" sz="4400" spc="-1" strike="noStrike">
+              <a:rPr b="0" lang="en" sz="4400" spc="-1" strike="noStrike">
                 <a:solidFill>
                   <a:srgbClr val="000000"/>
                 </a:solidFill>
@@ -5184,7 +5209,7 @@
               </a:rPr>
               <a:t>How to Achieve These Goals?</a:t>
             </a:r>
-            <a:endParaRPr b="0" lang="en-US" sz="4400" spc="-1" strike="noStrike">
+            <a:endParaRPr b="0" lang="en" sz="4400" spc="-1" strike="noStrike">
               <a:latin typeface="Arial"/>
             </a:endParaRPr>
           </a:p>
@@ -5199,7 +5224,7 @@
         <p:spPr>
           <a:xfrm>
             <a:off x="838080" y="1825560"/>
-            <a:ext cx="10514880" cy="4350600"/>
+            <a:ext cx="10514520" cy="4350240"/>
           </a:xfrm>
           <a:prstGeom prst="rect">
             <a:avLst/>
@@ -5229,16 +5254,17 @@
               </a:spcBef>
             </a:pPr>
             <a:r>
-              <a:rPr b="0" lang="en-US" sz="2800" spc="-1" strike="noStrike" u="sng">
+              <a:rPr b="0" lang="en" sz="2800" spc="-1" strike="noStrike" u="sng">
                 <a:solidFill>
                   <a:srgbClr val="000000"/>
                 </a:solidFill>
                 <a:uFillTx/>
                 <a:latin typeface="Candara"/>
+                <a:ea typeface="DejaVu Sans"/>
               </a:rPr>
               <a:t>Online version control with issue management and pull requests</a:t>
             </a:r>
-            <a:endParaRPr b="0" lang="en-US" sz="2800" spc="-1" strike="noStrike">
+            <a:endParaRPr b="0" lang="en" sz="2800" spc="-1" strike="noStrike">
               <a:latin typeface="Arial"/>
             </a:endParaRPr>
           </a:p>
@@ -5251,12 +5277,12 @@
                 <a:spcPts val="499"/>
               </a:spcBef>
             </a:pPr>
-            <a:endParaRPr b="0" lang="en-US" sz="2800" spc="-1" strike="noStrike">
-              <a:latin typeface="Arial"/>
-            </a:endParaRPr>
-          </a:p>
-          <a:p>
-            <a:pPr lvl="1" marL="685800" indent="-227880">
+            <a:endParaRPr b="0" lang="en" sz="2800" spc="-1" strike="noStrike">
+              <a:latin typeface="Arial"/>
+            </a:endParaRPr>
+          </a:p>
+          <a:p>
+            <a:pPr lvl="1" marL="685800" indent="-227520">
               <a:lnSpc>
                 <a:spcPct val="90000"/>
               </a:lnSpc>
@@ -5270,33 +5296,36 @@
               <a:buChar char="•"/>
             </a:pPr>
             <a:r>
-              <a:rPr b="0" lang="en-US" sz="2400" spc="-1" strike="noStrike">
+              <a:rPr b="0" lang="en" sz="2400" spc="-1" strike="noStrike">
                 <a:solidFill>
                   <a:srgbClr val="000000"/>
                 </a:solidFill>
                 <a:latin typeface="Candara"/>
+                <a:ea typeface="DejaVu Sans"/>
               </a:rPr>
               <a:t>Create your package with </a:t>
             </a:r>
             <a:r>
-              <a:rPr b="0" lang="en-US" sz="2400" spc="-1" strike="noStrike">
+              <a:rPr b="0" lang="en" sz="2400" spc="-1" strike="noStrike">
                 <a:solidFill>
                   <a:srgbClr val="000000"/>
                 </a:solidFill>
                 <a:latin typeface="Consolas"/>
+                <a:ea typeface="DejaVu Sans"/>
               </a:rPr>
               <a:t>cookiecutter</a:t>
             </a:r>
             <a:r>
-              <a:rPr b="0" lang="en-US" sz="2400" spc="-1" strike="noStrike">
+              <a:rPr b="0" lang="en" sz="2400" spc="-1" strike="noStrike">
                 <a:solidFill>
                   <a:srgbClr val="000000"/>
                 </a:solidFill>
                 <a:latin typeface="Candara"/>
+                <a:ea typeface="DejaVu Sans"/>
               </a:rPr>
               <a:t> and link it to your GitHub account.</a:t>
             </a:r>
-            <a:endParaRPr b="0" lang="en-US" sz="2400" spc="-1" strike="noStrike">
+            <a:endParaRPr b="0" lang="en" sz="2400" spc="-1" strike="noStrike">
               <a:latin typeface="Arial"/>
             </a:endParaRPr>
           </a:p>
@@ -5306,12 +5335,12 @@
                 <a:spcPct val="100000"/>
               </a:lnSpc>
             </a:pPr>
-            <a:endParaRPr b="0" lang="en-US" sz="2400" spc="-1" strike="noStrike">
-              <a:latin typeface="Arial"/>
-            </a:endParaRPr>
-          </a:p>
-          <a:p>
-            <a:pPr lvl="1" marL="685800" indent="-227880">
+            <a:endParaRPr b="0" lang="en" sz="2400" spc="-1" strike="noStrike">
+              <a:latin typeface="Arial"/>
+            </a:endParaRPr>
+          </a:p>
+          <a:p>
+            <a:pPr lvl="1" marL="685800" indent="-227520">
               <a:lnSpc>
                 <a:spcPct val="90000"/>
               </a:lnSpc>
@@ -5325,15 +5354,16 @@
               <a:buChar char="•"/>
             </a:pPr>
             <a:r>
-              <a:rPr b="0" lang="en-US" sz="2400" spc="-1" strike="noStrike">
+              <a:rPr b="0" lang="en" sz="2400" spc="-1" strike="noStrike">
                 <a:solidFill>
                   <a:srgbClr val="000000"/>
                 </a:solidFill>
                 <a:latin typeface="Candara"/>
+                <a:ea typeface="DejaVu Sans"/>
               </a:rPr>
               <a:t>One commit, one feature.</a:t>
             </a:r>
-            <a:endParaRPr b="0" lang="en-US" sz="2400" spc="-1" strike="noStrike">
+            <a:endParaRPr b="0" lang="en" sz="2400" spc="-1" strike="noStrike">
               <a:latin typeface="Arial"/>
             </a:endParaRPr>
           </a:p>
@@ -5343,12 +5373,12 @@
                 <a:spcPct val="100000"/>
               </a:lnSpc>
             </a:pPr>
-            <a:endParaRPr b="0" lang="en-US" sz="2400" spc="-1" strike="noStrike">
-              <a:latin typeface="Arial"/>
-            </a:endParaRPr>
-          </a:p>
-          <a:p>
-            <a:pPr lvl="1" marL="685800" indent="-227880">
+            <a:endParaRPr b="0" lang="en" sz="2400" spc="-1" strike="noStrike">
+              <a:latin typeface="Arial"/>
+            </a:endParaRPr>
+          </a:p>
+          <a:p>
+            <a:pPr lvl="1" marL="685800" indent="-227520">
               <a:lnSpc>
                 <a:spcPct val="90000"/>
               </a:lnSpc>
@@ -5362,15 +5392,16 @@
               <a:buChar char="•"/>
             </a:pPr>
             <a:r>
-              <a:rPr b="0" lang="en-US" sz="2400" spc="-1" strike="noStrike">
+              <a:rPr b="0" lang="en" sz="2400" spc="-1" strike="noStrike">
                 <a:solidFill>
                   <a:srgbClr val="000000"/>
                 </a:solidFill>
                 <a:latin typeface="Candara"/>
+                <a:ea typeface="DejaVu Sans"/>
               </a:rPr>
               <a:t>Modularization allows multiple developers to work on the same project.</a:t>
             </a:r>
-            <a:endParaRPr b="0" lang="en-US" sz="2400" spc="-1" strike="noStrike">
+            <a:endParaRPr b="0" lang="en" sz="2400" spc="-1" strike="noStrike">
               <a:latin typeface="Arial"/>
             </a:endParaRPr>
           </a:p>
@@ -5380,12 +5411,12 @@
                 <a:spcPct val="100000"/>
               </a:lnSpc>
             </a:pPr>
-            <a:endParaRPr b="0" lang="en-US" sz="2400" spc="-1" strike="noStrike">
-              <a:latin typeface="Arial"/>
-            </a:endParaRPr>
-          </a:p>
-          <a:p>
-            <a:pPr lvl="1" marL="685800" indent="-227880">
+            <a:endParaRPr b="0" lang="en" sz="2400" spc="-1" strike="noStrike">
+              <a:latin typeface="Arial"/>
+            </a:endParaRPr>
+          </a:p>
+          <a:p>
+            <a:pPr lvl="1" marL="685800" indent="-227520">
               <a:lnSpc>
                 <a:spcPct val="90000"/>
               </a:lnSpc>
@@ -5399,24 +5430,26 @@
               <a:buChar char="•"/>
             </a:pPr>
             <a:r>
-              <a:rPr b="0" lang="en-US" sz="2400" spc="-1" strike="noStrike">
+              <a:rPr b="0" lang="en" sz="2400" spc="-1" strike="noStrike">
                 <a:solidFill>
                   <a:srgbClr val="000000"/>
                 </a:solidFill>
                 <a:latin typeface="Consolas"/>
+                <a:ea typeface="DejaVu Sans"/>
               </a:rPr>
               <a:t>CONTRIBUTING.md</a:t>
             </a:r>
             <a:r>
-              <a:rPr b="0" lang="en-US" sz="2400" spc="-1" strike="noStrike">
+              <a:rPr b="0" lang="en" sz="2400" spc="-1" strike="noStrike">
                 <a:solidFill>
                   <a:srgbClr val="000000"/>
                 </a:solidFill>
                 <a:latin typeface="Candara"/>
+                <a:ea typeface="DejaVu Sans"/>
               </a:rPr>
               <a:t> file.</a:t>
             </a:r>
-            <a:endParaRPr b="0" lang="en-US" sz="2400" spc="-1" strike="noStrike">
+            <a:endParaRPr b="0" lang="en" sz="2400" spc="-1" strike="noStrike">
               <a:latin typeface="Arial"/>
             </a:endParaRPr>
           </a:p>
@@ -5429,7 +5462,7 @@
                 <a:spcPts val="1001"/>
               </a:spcBef>
             </a:pPr>
-            <a:endParaRPr b="0" lang="en-US" sz="2400" spc="-1" strike="noStrike">
+            <a:endParaRPr b="0" lang="en" sz="2400" spc="-1" strike="noStrike">
               <a:latin typeface="Arial"/>
             </a:endParaRPr>
           </a:p>
@@ -5442,7 +5475,7 @@
                 <a:spcPts val="1001"/>
               </a:spcBef>
             </a:pPr>
-            <a:endParaRPr b="0" lang="en-US" sz="2400" spc="-1" strike="noStrike">
+            <a:endParaRPr b="0" lang="en" sz="2400" spc="-1" strike="noStrike">
               <a:latin typeface="Arial"/>
             </a:endParaRPr>
           </a:p>
@@ -5455,7 +5488,7 @@
                 <a:spcPts val="1001"/>
               </a:spcBef>
             </a:pPr>
-            <a:endParaRPr b="0" lang="en-US" sz="2400" spc="-1" strike="noStrike">
+            <a:endParaRPr b="0" lang="en" sz="2400" spc="-1" strike="noStrike">
               <a:latin typeface="Arial"/>
             </a:endParaRPr>
           </a:p>
@@ -5468,7 +5501,7 @@
                 <a:spcPts val="1001"/>
               </a:spcBef>
             </a:pPr>
-            <a:endParaRPr b="0" lang="en-US" sz="2400" spc="-1" strike="noStrike">
+            <a:endParaRPr b="0" lang="en" sz="2400" spc="-1" strike="noStrike">
               <a:latin typeface="Arial"/>
             </a:endParaRPr>
           </a:p>
@@ -5513,7 +5546,7 @@
         <p:spPr>
           <a:xfrm>
             <a:off x="838080" y="365040"/>
-            <a:ext cx="10514880" cy="1324800"/>
+            <a:ext cx="10514520" cy="1324440"/>
           </a:xfrm>
           <a:prstGeom prst="rect">
             <a:avLst/>
@@ -5540,7 +5573,7 @@
               </a:lnSpc>
             </a:pPr>
             <a:r>
-              <a:rPr b="0" lang="en-US" sz="4400" spc="-1" strike="noStrike">
+              <a:rPr b="0" lang="en" sz="4400" spc="-1" strike="noStrike">
                 <a:solidFill>
                   <a:srgbClr val="000000"/>
                 </a:solidFill>
@@ -5549,7 +5582,7 @@
               </a:rPr>
               <a:t>How to Achieve These Goals?</a:t>
             </a:r>
-            <a:endParaRPr b="0" lang="en-US" sz="4400" spc="-1" strike="noStrike">
+            <a:endParaRPr b="0" lang="en" sz="4400" spc="-1" strike="noStrike">
               <a:latin typeface="Arial"/>
             </a:endParaRPr>
           </a:p>
@@ -5564,7 +5597,7 @@
         <p:spPr>
           <a:xfrm>
             <a:off x="838080" y="1825560"/>
-            <a:ext cx="10514880" cy="4350600"/>
+            <a:ext cx="10514520" cy="4350240"/>
           </a:xfrm>
           <a:prstGeom prst="rect">
             <a:avLst/>
@@ -5594,16 +5627,17 @@
               </a:spcBef>
             </a:pPr>
             <a:r>
-              <a:rPr b="0" lang="en-US" sz="2800" spc="-1" strike="noStrike" u="sng">
+              <a:rPr b="0" lang="en" sz="2800" spc="-1" strike="noStrike" u="sng">
                 <a:solidFill>
                   <a:srgbClr val="000000"/>
                 </a:solidFill>
                 <a:uFillTx/>
                 <a:latin typeface="Candara"/>
+                <a:ea typeface="DejaVu Sans"/>
               </a:rPr>
               <a:t>A comprehensive test suite with continuous integration</a:t>
             </a:r>
-            <a:endParaRPr b="0" lang="en-US" sz="2800" spc="-1" strike="noStrike">
+            <a:endParaRPr b="0" lang="en" sz="2800" spc="-1" strike="noStrike">
               <a:latin typeface="Arial"/>
             </a:endParaRPr>
           </a:p>
@@ -5616,12 +5650,12 @@
                 <a:spcPts val="499"/>
               </a:spcBef>
             </a:pPr>
-            <a:endParaRPr b="0" lang="en-US" sz="2800" spc="-1" strike="noStrike">
-              <a:latin typeface="Arial"/>
-            </a:endParaRPr>
-          </a:p>
-          <a:p>
-            <a:pPr lvl="1" marL="685800" indent="-227880">
+            <a:endParaRPr b="0" lang="en" sz="2800" spc="-1" strike="noStrike">
+              <a:latin typeface="Arial"/>
+            </a:endParaRPr>
+          </a:p>
+          <a:p>
+            <a:pPr lvl="1" marL="685800" indent="-227520">
               <a:lnSpc>
                 <a:spcPct val="90000"/>
               </a:lnSpc>
@@ -5635,33 +5669,36 @@
               <a:buChar char="•"/>
             </a:pPr>
             <a:r>
-              <a:rPr b="0" lang="en-US" sz="2400" spc="-1" strike="noStrike">
+              <a:rPr b="0" lang="en" sz="2400" spc="-1" strike="noStrike">
                 <a:solidFill>
                   <a:srgbClr val="000000"/>
                 </a:solidFill>
                 <a:latin typeface="Candara"/>
+                <a:ea typeface="DejaVu Sans"/>
               </a:rPr>
               <a:t>Again, </a:t>
             </a:r>
             <a:r>
-              <a:rPr b="0" lang="en-US" sz="2400" spc="-1" strike="noStrike">
+              <a:rPr b="0" lang="en" sz="2400" spc="-1" strike="noStrike">
                 <a:solidFill>
                   <a:srgbClr val="000000"/>
                 </a:solidFill>
                 <a:latin typeface="Consolas"/>
+                <a:ea typeface="DejaVu Sans"/>
               </a:rPr>
               <a:t>cookiecutter</a:t>
             </a:r>
             <a:r>
-              <a:rPr b="0" lang="en-US" sz="2400" spc="-1" strike="noStrike">
+              <a:rPr b="0" lang="en" sz="2400" spc="-1" strike="noStrike">
                 <a:solidFill>
                   <a:srgbClr val="000000"/>
                 </a:solidFill>
                 <a:latin typeface="Candara"/>
+                <a:ea typeface="DejaVu Sans"/>
               </a:rPr>
               <a:t> is your friend.</a:t>
             </a:r>
-            <a:endParaRPr b="0" lang="en-US" sz="2400" spc="-1" strike="noStrike">
+            <a:endParaRPr b="0" lang="en" sz="2400" spc="-1" strike="noStrike">
               <a:latin typeface="Arial"/>
             </a:endParaRPr>
           </a:p>
@@ -5671,12 +5708,12 @@
                 <a:spcPct val="100000"/>
               </a:lnSpc>
             </a:pPr>
-            <a:endParaRPr b="0" lang="en-US" sz="2400" spc="-1" strike="noStrike">
-              <a:latin typeface="Arial"/>
-            </a:endParaRPr>
-          </a:p>
-          <a:p>
-            <a:pPr lvl="1" marL="685800" indent="-227880">
+            <a:endParaRPr b="0" lang="en" sz="2400" spc="-1" strike="noStrike">
+              <a:latin typeface="Arial"/>
+            </a:endParaRPr>
+          </a:p>
+          <a:p>
+            <a:pPr lvl="1" marL="685800" indent="-227520">
               <a:lnSpc>
                 <a:spcPct val="90000"/>
               </a:lnSpc>
@@ -5690,15 +5727,16 @@
               <a:buChar char="•"/>
             </a:pPr>
             <a:r>
-              <a:rPr b="0" lang="en-US" sz="2400" spc="-1" strike="noStrike">
+              <a:rPr b="0" lang="en" sz="2400" spc="-1" strike="noStrike">
                 <a:solidFill>
                   <a:srgbClr val="000000"/>
                 </a:solidFill>
                 <a:latin typeface="Candara"/>
+                <a:ea typeface="DejaVu Sans"/>
               </a:rPr>
               <a:t>Test-driven development with the use of edge-cases and mock data to simulate different inputs.</a:t>
             </a:r>
-            <a:endParaRPr b="0" lang="en-US" sz="2400" spc="-1" strike="noStrike">
+            <a:endParaRPr b="0" lang="en" sz="2400" spc="-1" strike="noStrike">
               <a:latin typeface="Arial"/>
             </a:endParaRPr>
           </a:p>
@@ -5708,12 +5746,12 @@
                 <a:spcPct val="100000"/>
               </a:lnSpc>
             </a:pPr>
-            <a:endParaRPr b="0" lang="en-US" sz="2400" spc="-1" strike="noStrike">
-              <a:latin typeface="Arial"/>
-            </a:endParaRPr>
-          </a:p>
-          <a:p>
-            <a:pPr lvl="1" marL="685800" indent="-227880">
+            <a:endParaRPr b="0" lang="en" sz="2400" spc="-1" strike="noStrike">
+              <a:latin typeface="Arial"/>
+            </a:endParaRPr>
+          </a:p>
+          <a:p>
+            <a:pPr lvl="1" marL="685800" indent="-227520">
               <a:lnSpc>
                 <a:spcPct val="90000"/>
               </a:lnSpc>
@@ -5727,15 +5765,16 @@
               <a:buChar char="•"/>
             </a:pPr>
             <a:r>
-              <a:rPr b="0" lang="en-US" sz="2400" spc="-1" strike="noStrike">
+              <a:rPr b="0" lang="en" sz="2400" spc="-1" strike="noStrike">
                 <a:solidFill>
                   <a:srgbClr val="000000"/>
                 </a:solidFill>
                 <a:latin typeface="Candara"/>
+                <a:ea typeface="DejaVu Sans"/>
               </a:rPr>
               <a:t>Run tests locally before pushing your commits.</a:t>
             </a:r>
-            <a:endParaRPr b="0" lang="en-US" sz="2400" spc="-1" strike="noStrike">
+            <a:endParaRPr b="0" lang="en" sz="2400" spc="-1" strike="noStrike">
               <a:latin typeface="Arial"/>
             </a:endParaRPr>
           </a:p>
@@ -5745,7 +5784,7 @@
                 <a:spcPct val="100000"/>
               </a:lnSpc>
             </a:pPr>
-            <a:endParaRPr b="0" lang="en-US" sz="2400" spc="-1" strike="noStrike">
+            <a:endParaRPr b="0" lang="en" sz="2400" spc="-1" strike="noStrike">
               <a:latin typeface="Arial"/>
             </a:endParaRPr>
           </a:p>
@@ -5755,7 +5794,7 @@
                 <a:spcPct val="100000"/>
               </a:lnSpc>
             </a:pPr>
-            <a:endParaRPr b="0" lang="en-US" sz="2400" spc="-1" strike="noStrike">
+            <a:endParaRPr b="0" lang="en" sz="2400" spc="-1" strike="noStrike">
               <a:latin typeface="Arial"/>
             </a:endParaRPr>
           </a:p>
@@ -5768,7 +5807,7 @@
                 <a:spcPts val="1001"/>
               </a:spcBef>
             </a:pPr>
-            <a:endParaRPr b="0" lang="en-US" sz="2400" spc="-1" strike="noStrike">
+            <a:endParaRPr b="0" lang="en" sz="2400" spc="-1" strike="noStrike">
               <a:latin typeface="Arial"/>
             </a:endParaRPr>
           </a:p>
@@ -5781,7 +5820,7 @@
                 <a:spcPts val="1001"/>
               </a:spcBef>
             </a:pPr>
-            <a:endParaRPr b="0" lang="en-US" sz="2400" spc="-1" strike="noStrike">
+            <a:endParaRPr b="0" lang="en" sz="2400" spc="-1" strike="noStrike">
               <a:latin typeface="Arial"/>
             </a:endParaRPr>
           </a:p>
@@ -5794,7 +5833,7 @@
                 <a:spcPts val="1001"/>
               </a:spcBef>
             </a:pPr>
-            <a:endParaRPr b="0" lang="en-US" sz="2400" spc="-1" strike="noStrike">
+            <a:endParaRPr b="0" lang="en" sz="2400" spc="-1" strike="noStrike">
               <a:latin typeface="Arial"/>
             </a:endParaRPr>
           </a:p>
@@ -5839,7 +5878,7 @@
         <p:spPr>
           <a:xfrm>
             <a:off x="838080" y="365040"/>
-            <a:ext cx="10514880" cy="1324800"/>
+            <a:ext cx="10514520" cy="1324440"/>
           </a:xfrm>
           <a:prstGeom prst="rect">
             <a:avLst/>
@@ -5866,7 +5905,7 @@
               </a:lnSpc>
             </a:pPr>
             <a:r>
-              <a:rPr b="0" lang="en-US" sz="4400" spc="-1" strike="noStrike">
+              <a:rPr b="0" lang="en" sz="4400" spc="-1" strike="noStrike">
                 <a:solidFill>
                   <a:srgbClr val="000000"/>
                 </a:solidFill>
@@ -5875,7 +5914,7 @@
               </a:rPr>
               <a:t>After The Dust Settles</a:t>
             </a:r>
-            <a:endParaRPr b="0" lang="en-US" sz="4400" spc="-1" strike="noStrike">
+            <a:endParaRPr b="0" lang="en" sz="4400" spc="-1" strike="noStrike">
               <a:latin typeface="Arial"/>
             </a:endParaRPr>
           </a:p>
@@ -5890,7 +5929,7 @@
         <p:spPr>
           <a:xfrm>
             <a:off x="838080" y="1825560"/>
-            <a:ext cx="10514880" cy="4350600"/>
+            <a:ext cx="10514520" cy="4350240"/>
           </a:xfrm>
           <a:prstGeom prst="rect">
             <a:avLst/>
@@ -5911,7 +5950,7 @@
             <a:noAutofit/>
           </a:bodyPr>
           <a:p>
-            <a:pPr marL="228600" indent="-227880">
+            <a:pPr marL="228600" indent="-227520">
               <a:lnSpc>
                 <a:spcPct val="90000"/>
               </a:lnSpc>
@@ -5925,33 +5964,36 @@
               <a:buChar char="•"/>
             </a:pPr>
             <a:r>
-              <a:rPr b="0" lang="en-US" sz="2800" spc="-1" strike="noStrike">
+              <a:rPr b="0" lang="en" sz="2800" spc="-1" strike="noStrike">
                 <a:solidFill>
                   <a:srgbClr val="000000"/>
                 </a:solidFill>
                 <a:latin typeface="Candara"/>
+                <a:ea typeface="DejaVu Sans"/>
               </a:rPr>
               <a:t>Installation instructions, preferably using </a:t>
             </a:r>
             <a:r>
-              <a:rPr b="0" lang="en-US" sz="2800" spc="-1" strike="noStrike">
+              <a:rPr b="0" lang="en" sz="2800" spc="-1" strike="noStrike">
                 <a:solidFill>
                   <a:srgbClr val="000000"/>
                 </a:solidFill>
                 <a:latin typeface="Consolas"/>
+                <a:ea typeface="DejaVu Sans"/>
               </a:rPr>
               <a:t>pip</a:t>
             </a:r>
             <a:r>
-              <a:rPr b="0" lang="en-US" sz="2800" spc="-1" strike="noStrike">
+              <a:rPr b="0" lang="en" sz="2800" spc="-1" strike="noStrike">
                 <a:solidFill>
                   <a:srgbClr val="000000"/>
                 </a:solidFill>
                 <a:latin typeface="Candara"/>
+                <a:ea typeface="DejaVu Sans"/>
               </a:rPr>
               <a:t>.</a:t>
             </a:r>
-            <a:endParaRPr b="0" lang="en-US" sz="2800" spc="-1" strike="noStrike">
+            <a:endParaRPr b="0" lang="en" sz="2800" spc="-1" strike="noStrike">
               <a:latin typeface="Arial"/>
             </a:endParaRPr>
           </a:p>
@@ -5964,12 +6006,12 @@
                 <a:spcPts val="1001"/>
               </a:spcBef>
             </a:pPr>
-            <a:endParaRPr b="0" lang="en-US" sz="2800" spc="-1" strike="noStrike">
-              <a:latin typeface="Arial"/>
-            </a:endParaRPr>
-          </a:p>
-          <a:p>
-            <a:pPr marL="228600" indent="-227880">
+            <a:endParaRPr b="0" lang="en" sz="2800" spc="-1" strike="noStrike">
+              <a:latin typeface="Arial"/>
+            </a:endParaRPr>
+          </a:p>
+          <a:p>
+            <a:pPr marL="228600" indent="-227520">
               <a:lnSpc>
                 <a:spcPct val="90000"/>
               </a:lnSpc>
@@ -5983,15 +6025,16 @@
               <a:buChar char="•"/>
             </a:pPr>
             <a:r>
-              <a:rPr b="0" lang="en-US" sz="2800" spc="-1" strike="noStrike">
+              <a:rPr b="0" lang="en" sz="2800" spc="-1" strike="noStrike">
                 <a:solidFill>
                   <a:srgbClr val="000000"/>
                 </a:solidFill>
                 <a:latin typeface="Candara"/>
+                <a:ea typeface="DejaVu Sans"/>
               </a:rPr>
               <a:t>Try to get input from one of your “real users”, i.e. a lab member.</a:t>
             </a:r>
-            <a:endParaRPr b="0" lang="en-US" sz="2800" spc="-1" strike="noStrike">
+            <a:endParaRPr b="0" lang="en" sz="2800" spc="-1" strike="noStrike">
               <a:latin typeface="Arial"/>
             </a:endParaRPr>
           </a:p>
@@ -6004,12 +6047,12 @@
                 <a:spcPts val="1001"/>
               </a:spcBef>
             </a:pPr>
-            <a:endParaRPr b="0" lang="en-US" sz="2800" spc="-1" strike="noStrike">
-              <a:latin typeface="Arial"/>
-            </a:endParaRPr>
-          </a:p>
-          <a:p>
-            <a:pPr marL="228600" indent="-227880">
+            <a:endParaRPr b="0" lang="en" sz="2800" spc="-1" strike="noStrike">
+              <a:latin typeface="Arial"/>
+            </a:endParaRPr>
+          </a:p>
+          <a:p>
+            <a:pPr marL="228600" indent="-227520">
               <a:lnSpc>
                 <a:spcPct val="90000"/>
               </a:lnSpc>
@@ -6023,15 +6066,16 @@
               <a:buChar char="•"/>
             </a:pPr>
             <a:r>
-              <a:rPr b="0" lang="en-US" sz="2800" spc="-1" strike="noStrike">
+              <a:rPr b="0" lang="en" sz="2800" spc="-1" strike="noStrike">
                 <a:solidFill>
                   <a:srgbClr val="000000"/>
                 </a:solidFill>
                 <a:latin typeface="Candara"/>
+                <a:ea typeface="DejaVu Sans"/>
               </a:rPr>
               <a:t>Create tools to convert existing data to your new format (importing Excel spreadsheets into a database, for example).</a:t>
             </a:r>
-            <a:endParaRPr b="0" lang="en-US" sz="2800" spc="-1" strike="noStrike">
+            <a:endParaRPr b="0" lang="en" sz="2800" spc="-1" strike="noStrike">
               <a:latin typeface="Arial"/>
             </a:endParaRPr>
           </a:p>
@@ -6044,12 +6088,12 @@
                 <a:spcPts val="1001"/>
               </a:spcBef>
             </a:pPr>
-            <a:endParaRPr b="0" lang="en-US" sz="2800" spc="-1" strike="noStrike">
-              <a:latin typeface="Arial"/>
-            </a:endParaRPr>
-          </a:p>
-          <a:p>
-            <a:pPr marL="228600" indent="-227880">
+            <a:endParaRPr b="0" lang="en" sz="2800" spc="-1" strike="noStrike">
+              <a:latin typeface="Arial"/>
+            </a:endParaRPr>
+          </a:p>
+          <a:p>
+            <a:pPr marL="228600" indent="-227520">
               <a:lnSpc>
                 <a:spcPct val="90000"/>
               </a:lnSpc>
@@ -6063,15 +6107,16 @@
               <a:buChar char="•"/>
             </a:pPr>
             <a:r>
-              <a:rPr b="0" lang="en-US" sz="2800" spc="-1" strike="noStrike">
+              <a:rPr b="0" lang="en" sz="2800" spc="-1" strike="noStrike">
                 <a:solidFill>
                   <a:srgbClr val="000000"/>
                 </a:solidFill>
                 <a:latin typeface="Candara"/>
-              </a:rPr>
-              <a:t>[For this hackathon] Create a presentation.</a:t>
-            </a:r>
-            <a:endParaRPr b="0" lang="en-US" sz="2800" spc="-1" strike="noStrike">
+                <a:ea typeface="DejaVu Sans"/>
+              </a:rPr>
+              <a:t>[For this hackathon] Create a presentation or a document.</a:t>
+            </a:r>
+            <a:endParaRPr b="0" lang="en" sz="2800" spc="-1" strike="noStrike">
               <a:latin typeface="Arial"/>
             </a:endParaRPr>
           </a:p>
@@ -6084,7 +6129,7 @@
                 <a:spcPts val="1001"/>
               </a:spcBef>
             </a:pPr>
-            <a:endParaRPr b="0" lang="en-US" sz="2800" spc="-1" strike="noStrike">
+            <a:endParaRPr b="0" lang="en" sz="2800" spc="-1" strike="noStrike">
               <a:latin typeface="Arial"/>
             </a:endParaRPr>
           </a:p>
@@ -6097,7 +6142,7 @@
                 <a:spcPts val="1001"/>
               </a:spcBef>
             </a:pPr>
-            <a:endParaRPr b="0" lang="en-US" sz="2800" spc="-1" strike="noStrike">
+            <a:endParaRPr b="0" lang="en" sz="2800" spc="-1" strike="noStrike">
               <a:latin typeface="Arial"/>
             </a:endParaRPr>
           </a:p>
@@ -6107,7 +6152,7 @@
                 <a:spcPct val="100000"/>
               </a:lnSpc>
             </a:pPr>
-            <a:endParaRPr b="0" lang="en-US" sz="2800" spc="-1" strike="noStrike">
+            <a:endParaRPr b="0" lang="en" sz="2800" spc="-1" strike="noStrike">
               <a:latin typeface="Arial"/>
             </a:endParaRPr>
           </a:p>
@@ -6120,7 +6165,7 @@
                 <a:spcPts val="1001"/>
               </a:spcBef>
             </a:pPr>
-            <a:endParaRPr b="0" lang="en-US" sz="2800" spc="-1" strike="noStrike">
+            <a:endParaRPr b="0" lang="en" sz="2800" spc="-1" strike="noStrike">
               <a:latin typeface="Arial"/>
             </a:endParaRPr>
           </a:p>
@@ -6133,7 +6178,7 @@
                 <a:spcPts val="1001"/>
               </a:spcBef>
             </a:pPr>
-            <a:endParaRPr b="0" lang="en-US" sz="2800" spc="-1" strike="noStrike">
+            <a:endParaRPr b="0" lang="en" sz="2800" spc="-1" strike="noStrike">
               <a:latin typeface="Arial"/>
             </a:endParaRPr>
           </a:p>
@@ -6146,7 +6191,7 @@
                 <a:spcPts val="1001"/>
               </a:spcBef>
             </a:pPr>
-            <a:endParaRPr b="0" lang="en-US" sz="2800" spc="-1" strike="noStrike">
+            <a:endParaRPr b="0" lang="en" sz="2800" spc="-1" strike="noStrike">
               <a:latin typeface="Arial"/>
             </a:endParaRPr>
           </a:p>
@@ -6191,7 +6236,7 @@
         <p:spPr>
           <a:xfrm>
             <a:off x="838080" y="365040"/>
-            <a:ext cx="10514880" cy="1324800"/>
+            <a:ext cx="10514520" cy="1324440"/>
           </a:xfrm>
           <a:prstGeom prst="rect">
             <a:avLst/>
@@ -6218,7 +6263,7 @@
               </a:lnSpc>
             </a:pPr>
             <a:r>
-              <a:rPr b="0" lang="en-US" sz="4400" spc="-1" strike="noStrike">
+              <a:rPr b="0" lang="en" sz="4400" spc="-1" strike="noStrike">
                 <a:solidFill>
                   <a:srgbClr val="000000"/>
                 </a:solidFill>
@@ -6227,7 +6272,7 @@
               </a:rPr>
               <a:t>Basic Guidelines</a:t>
             </a:r>
-            <a:endParaRPr b="0" lang="en-US" sz="4400" spc="-1" strike="noStrike">
+            <a:endParaRPr b="0" lang="en" sz="4400" spc="-1" strike="noStrike">
               <a:latin typeface="Arial"/>
             </a:endParaRPr>
           </a:p>
@@ -6242,7 +6287,7 @@
         <p:spPr>
           <a:xfrm>
             <a:off x="838080" y="1825560"/>
-            <a:ext cx="10514880" cy="4350600"/>
+            <a:ext cx="10514520" cy="4350240"/>
           </a:xfrm>
           <a:prstGeom prst="rect">
             <a:avLst/>
@@ -6272,15 +6317,16 @@
               </a:spcBef>
             </a:pPr>
             <a:r>
-              <a:rPr b="0" lang="en-US" sz="2800" spc="-1" strike="noStrike">
+              <a:rPr b="0" lang="en" sz="2800" spc="-1" strike="noStrike">
                 <a:solidFill>
                   <a:srgbClr val="000000"/>
                 </a:solidFill>
                 <a:latin typeface="Candara"/>
-              </a:rPr>
-              <a:t>The hackathon will conclude with a short presentation session, starting Thursday at 15:00.</a:t>
-            </a:r>
-            <a:endParaRPr b="0" lang="en-US" sz="2800" spc="-1" strike="noStrike">
+                <a:ea typeface="DejaVu Sans"/>
+              </a:rPr>
+              <a:t>The hackathon will conclude with a short presentation.</a:t>
+            </a:r>
+            <a:endParaRPr b="0" lang="en" sz="2800" spc="-1" strike="noStrike">
               <a:latin typeface="Arial"/>
             </a:endParaRPr>
           </a:p>
@@ -6293,12 +6339,12 @@
                 <a:spcPts val="1001"/>
               </a:spcBef>
             </a:pPr>
-            <a:endParaRPr b="0" lang="en-US" sz="2800" spc="-1" strike="noStrike">
-              <a:latin typeface="Arial"/>
-            </a:endParaRPr>
-          </a:p>
-          <a:p>
-            <a:pPr marL="228600" indent="-227880">
+            <a:endParaRPr b="0" lang="en" sz="2800" spc="-1" strike="noStrike">
+              <a:latin typeface="Arial"/>
+            </a:endParaRPr>
+          </a:p>
+          <a:p>
+            <a:pPr marL="228600" indent="-227520">
               <a:lnSpc>
                 <a:spcPct val="90000"/>
               </a:lnSpc>
@@ -6312,20 +6358,21 @@
               <a:buChar char="•"/>
             </a:pPr>
             <a:r>
-              <a:rPr b="0" lang="en-US" sz="2800" spc="-1" strike="noStrike">
+              <a:rPr b="0" lang="en" sz="2800" spc="-1" strike="noStrike">
                 <a:solidFill>
                   <a:srgbClr val="000000"/>
                 </a:solidFill>
                 <a:latin typeface="Candara"/>
+                <a:ea typeface="DejaVu Sans"/>
               </a:rPr>
               <a:t>The total presentation time should not exceed 15 minutes. </a:t>
             </a:r>
-            <a:endParaRPr b="0" lang="en-US" sz="2800" spc="-1" strike="noStrike">
-              <a:latin typeface="Arial"/>
-            </a:endParaRPr>
-          </a:p>
-          <a:p>
-            <a:pPr marL="228600" indent="-227880">
+            <a:endParaRPr b="0" lang="en" sz="2800" spc="-1" strike="noStrike">
+              <a:latin typeface="Arial"/>
+            </a:endParaRPr>
+          </a:p>
+          <a:p>
+            <a:pPr marL="228600" indent="-227520">
               <a:lnSpc>
                 <a:spcPct val="90000"/>
               </a:lnSpc>
@@ -6339,20 +6386,21 @@
               <a:buChar char="•"/>
             </a:pPr>
             <a:r>
-              <a:rPr b="0" lang="en-US" sz="2800" spc="-1" strike="noStrike">
+              <a:rPr b="0" lang="en" sz="2800" spc="-1" strike="noStrike">
                 <a:solidFill>
                   <a:srgbClr val="000000"/>
                 </a:solidFill>
                 <a:latin typeface="Candara"/>
+                <a:ea typeface="DejaVu Sans"/>
               </a:rPr>
               <a:t>5 more minutes will be devoted to questions.</a:t>
             </a:r>
-            <a:endParaRPr b="0" lang="en-US" sz="2800" spc="-1" strike="noStrike">
-              <a:latin typeface="Arial"/>
-            </a:endParaRPr>
-          </a:p>
-          <a:p>
-            <a:pPr marL="228600" indent="-227880">
+            <a:endParaRPr b="0" lang="en" sz="2800" spc="-1" strike="noStrike">
+              <a:latin typeface="Arial"/>
+            </a:endParaRPr>
+          </a:p>
+          <a:p>
+            <a:pPr marL="228600" indent="-227520">
               <a:lnSpc>
                 <a:spcPct val="90000"/>
               </a:lnSpc>
@@ -6366,15 +6414,16 @@
               <a:buChar char="•"/>
             </a:pPr>
             <a:r>
-              <a:rPr b="0" lang="en-US" sz="2800" spc="-1" strike="noStrike">
+              <a:rPr b="0" lang="en" sz="2800" spc="-1" strike="noStrike">
                 <a:solidFill>
                   <a:srgbClr val="000000"/>
                 </a:solidFill>
                 <a:latin typeface="Candara"/>
+                <a:ea typeface="DejaVu Sans"/>
               </a:rPr>
               <a:t>Feel free to add code snippets, images and videos of your project in action.</a:t>
             </a:r>
-            <a:endParaRPr b="0" lang="en-US" sz="2800" spc="-1" strike="noStrike">
+            <a:endParaRPr b="0" lang="en" sz="2800" spc="-1" strike="noStrike">
               <a:latin typeface="Arial"/>
             </a:endParaRPr>
           </a:p>
@@ -6387,7 +6436,7 @@
                 <a:spcPts val="1001"/>
               </a:spcBef>
             </a:pPr>
-            <a:endParaRPr b="0" lang="en-US" sz="2800" spc="-1" strike="noStrike">
+            <a:endParaRPr b="0" lang="en" sz="2800" spc="-1" strike="noStrike">
               <a:latin typeface="Arial"/>
             </a:endParaRPr>
           </a:p>
@@ -6400,7 +6449,7 @@
                 <a:spcPts val="1001"/>
               </a:spcBef>
             </a:pPr>
-            <a:endParaRPr b="0" lang="en-US" sz="2800" spc="-1" strike="noStrike">
+            <a:endParaRPr b="0" lang="en" sz="2800" spc="-1" strike="noStrike">
               <a:latin typeface="Arial"/>
             </a:endParaRPr>
           </a:p>
@@ -6533,18 +6582,21 @@
             </a:schemeClr>
           </a:solidFill>
           <a:prstDash val="solid"/>
+          <a:miter/>
         </a:ln>
         <a:ln w="25400" cap="flat" cmpd="sng" algn="ctr">
           <a:solidFill>
             <a:schemeClr val="phClr"/>
           </a:solidFill>
           <a:prstDash val="solid"/>
+          <a:miter/>
         </a:ln>
         <a:ln w="38100" cap="flat" cmpd="sng" algn="ctr">
           <a:solidFill>
             <a:schemeClr val="phClr"/>
           </a:solidFill>
           <a:prstDash val="solid"/>
+          <a:miter/>
         </a:ln>
       </a:lnStyleLst>
       <a:effectStyleLst>
@@ -6756,18 +6808,21 @@
             </a:schemeClr>
           </a:solidFill>
           <a:prstDash val="solid"/>
+          <a:miter/>
         </a:ln>
         <a:ln w="25400" cap="flat" cmpd="sng" algn="ctr">
           <a:solidFill>
             <a:schemeClr val="phClr"/>
           </a:solidFill>
           <a:prstDash val="solid"/>
+          <a:miter/>
         </a:ln>
         <a:ln w="38100" cap="flat" cmpd="sng" algn="ctr">
           <a:solidFill>
             <a:schemeClr val="phClr"/>
           </a:solidFill>
           <a:prstDash val="solid"/>
+          <a:miter/>
         </a:ln>
       </a:lnStyleLst>
       <a:effectStyleLst>
